--- a/fuentes/contenidos/grado09/guion10/MapaConceptual_MA_09_10_CO.pptx
+++ b/fuentes/contenidos/grado09/guion10/MapaConceptual_MA_09_10_CO.pptx
@@ -150,13 +150,6 @@
   <p:clrMapOvr>
     <a:masterClrMapping/>
   </p:clrMapOvr>
-  <p:timing>
-    <p:tnLst>
-      <p:par>
-        <p:cTn id="1" dur="indefinite" restart="never" nodeType="tmRoot"/>
-      </p:par>
-    </p:tnLst>
-  </p:timing>
 </p:sldLayout>
 </file>
 
@@ -187,13 +180,6 @@
   <p:clrMapOvr>
     <a:masterClrMapping/>
   </p:clrMapOvr>
-  <p:timing>
-    <p:tnLst>
-      <p:par>
-        <p:cTn id="1" dur="indefinite" restart="never" nodeType="tmRoot"/>
-      </p:par>
-    </p:tnLst>
-  </p:timing>
 </p:sldLayout>
 </file>
 
@@ -224,13 +210,6 @@
   <p:clrMapOvr>
     <a:masterClrMapping/>
   </p:clrMapOvr>
-  <p:timing>
-    <p:tnLst>
-      <p:par>
-        <p:cTn id="1" dur="indefinite" restart="never" nodeType="tmRoot"/>
-      </p:par>
-    </p:tnLst>
-  </p:timing>
 </p:sldLayout>
 </file>
 
@@ -261,13 +240,6 @@
   <p:clrMapOvr>
     <a:masterClrMapping/>
   </p:clrMapOvr>
-  <p:timing>
-    <p:tnLst>
-      <p:par>
-        <p:cTn id="1" dur="indefinite" restart="never" nodeType="tmRoot"/>
-      </p:par>
-    </p:tnLst>
-  </p:timing>
 </p:sldLayout>
 </file>
 
@@ -298,13 +270,6 @@
   <p:clrMapOvr>
     <a:masterClrMapping/>
   </p:clrMapOvr>
-  <p:timing>
-    <p:tnLst>
-      <p:par>
-        <p:cTn id="1" dur="indefinite" restart="never" nodeType="tmRoot"/>
-      </p:par>
-    </p:tnLst>
-  </p:timing>
 </p:sldLayout>
 </file>
 
@@ -335,13 +300,6 @@
   <p:clrMapOvr>
     <a:masterClrMapping/>
   </p:clrMapOvr>
-  <p:timing>
-    <p:tnLst>
-      <p:par>
-        <p:cTn id="1" dur="indefinite" restart="never" nodeType="tmRoot"/>
-      </p:par>
-    </p:tnLst>
-  </p:timing>
 </p:sldLayout>
 </file>
 
@@ -372,13 +330,6 @@
   <p:clrMapOvr>
     <a:masterClrMapping/>
   </p:clrMapOvr>
-  <p:timing>
-    <p:tnLst>
-      <p:par>
-        <p:cTn id="1" dur="indefinite" restart="never" nodeType="tmRoot"/>
-      </p:par>
-    </p:tnLst>
-  </p:timing>
 </p:sldLayout>
 </file>
 
@@ -409,13 +360,6 @@
   <p:clrMapOvr>
     <a:masterClrMapping/>
   </p:clrMapOvr>
-  <p:timing>
-    <p:tnLst>
-      <p:par>
-        <p:cTn id="1" dur="indefinite" restart="never" nodeType="tmRoot"/>
-      </p:par>
-    </p:tnLst>
-  </p:timing>
 </p:sldLayout>
 </file>
 
@@ -462,7 +406,7 @@
             <a:fld id="{5001C876-01F7-4317-94B9-1AE222133113}" type="datetimeFigureOut">
               <a:rPr lang="es-ES" smtClean="0"/>
               <a:pPr/>
-              <a:t>16/03/2016</a:t>
+              <a:t>11/04/2016</a:t>
             </a:fld>
             <a:endParaRPr lang="es-ES"/>
           </a:p>
@@ -537,13 +481,6 @@
   <p:clrMapOvr>
     <a:masterClrMapping/>
   </p:clrMapOvr>
-  <p:timing>
-    <p:tnLst>
-      <p:par>
-        <p:cTn id="1" dur="indefinite" restart="never" nodeType="tmRoot"/>
-      </p:par>
-    </p:tnLst>
-  </p:timing>
 </p:sldLayout>
 </file>
 
@@ -574,13 +511,6 @@
   <p:clrMapOvr>
     <a:masterClrMapping/>
   </p:clrMapOvr>
-  <p:timing>
-    <p:tnLst>
-      <p:par>
-        <p:cTn id="1" dur="indefinite" restart="never" nodeType="tmRoot"/>
-      </p:par>
-    </p:tnLst>
-  </p:timing>
 </p:sldLayout>
 </file>
 
@@ -611,13 +541,6 @@
   <p:clrMapOvr>
     <a:masterClrMapping/>
   </p:clrMapOvr>
-  <p:timing>
-    <p:tnLst>
-      <p:par>
-        <p:cTn id="1" dur="indefinite" restart="never" nodeType="tmRoot"/>
-      </p:par>
-    </p:tnLst>
-  </p:timing>
 </p:sldLayout>
 </file>
 
@@ -667,16 +590,12 @@
           <a:p>
             <a:pPr algn="ctr"/>
             <a:r>
-              <a:rPr lang="es-ES" sz="1400" dirty="0" smtClean="0">
+              <a:rPr lang="es-ES" sz="1400" dirty="0">
                 <a:latin typeface="Arial" panose="020B0604020202020204" pitchFamily="34" charset="0"/>
                 <a:cs typeface="Arial" panose="020B0604020202020204" pitchFamily="34" charset="0"/>
               </a:rPr>
-              <a:t>© Editorial Planeta Colombiana S.A., 2015.</a:t>
-            </a:r>
-            <a:endParaRPr lang="es-ES" sz="1400" dirty="0">
-              <a:latin typeface="Arial" panose="020B0604020202020204" pitchFamily="34" charset="0"/>
-              <a:cs typeface="Arial" panose="020B0604020202020204" pitchFamily="34" charset="0"/>
-            </a:endParaRPr>
+              <a:t>© Editorial Planeta Colombiana S.A., 2016.</a:t>
+            </a:r>
           </a:p>
         </p:txBody>
       </p:sp>
@@ -731,13 +650,6 @@
     <p:sldLayoutId id="2147483670" r:id="rId10"/>
     <p:sldLayoutId id="2147483671" r:id="rId11"/>
   </p:sldLayoutIdLst>
-  <p:timing>
-    <p:tnLst>
-      <p:par>
-        <p:cTn id="1" dur="indefinite" restart="never" nodeType="tmRoot"/>
-      </p:par>
-    </p:tnLst>
-  </p:timing>
   <p:txStyles>
     <p:titleStyle>
       <a:lvl1pPr algn="l" defTabSz="1056822" rtl="0" eaLnBrk="1" latinLnBrk="0" hangingPunct="1">
@@ -1046,7 +958,7 @@
         </p:nvSpPr>
         <p:spPr>
           <a:xfrm>
-            <a:off x="4716773" y="66679"/>
+            <a:off x="4747253" y="66679"/>
             <a:ext cx="4216725" cy="968928"/>
           </a:xfrm>
           <a:prstGeom prst="rect">
@@ -1073,7 +985,7 @@
           <a:p>
             <a:pPr algn="ctr"/>
             <a:r>
-              <a:rPr lang="es-CO" sz="1900" b="1" dirty="0" smtClean="0">
+              <a:rPr lang="es-CO" sz="1900" b="1" dirty="0">
                 <a:solidFill>
                   <a:schemeClr val="tx1"/>
                 </a:solidFill>
@@ -1081,12 +993,6 @@
               </a:rPr>
               <a:t>La circunferencia y la relación entre sus elementos   </a:t>
             </a:r>
-            <a:endParaRPr lang="es-CO" sz="1900" b="1" dirty="0">
-              <a:solidFill>
-                <a:schemeClr val="tx1"/>
-              </a:solidFill>
-              <a:cs typeface="Arial" pitchFamily="34" charset="0"/>
-            </a:endParaRPr>
           </a:p>
         </p:txBody>
       </p:sp>
@@ -1098,7 +1004,7 @@
         </p:nvSpPr>
         <p:spPr>
           <a:xfrm>
-            <a:off x="6114077" y="1204845"/>
+            <a:off x="6121697" y="1204845"/>
             <a:ext cx="1473211" cy="779671"/>
           </a:xfrm>
           <a:prstGeom prst="rect">
@@ -1128,7 +1034,7 @@
           <a:p>
             <a:pPr algn="ctr"/>
             <a:r>
-              <a:rPr lang="es-CO" sz="1400" b="1" dirty="0" smtClean="0">
+              <a:rPr lang="es-CO" sz="1400" b="1" dirty="0">
                 <a:solidFill>
                   <a:schemeClr val="tx1"/>
                 </a:solidFill>
@@ -1136,12 +1042,6 @@
               </a:rPr>
               <a:t>La circunferencia </a:t>
             </a:r>
-            <a:endParaRPr lang="es-CO" sz="1400" b="1" dirty="0">
-              <a:solidFill>
-                <a:schemeClr val="tx1"/>
-              </a:solidFill>
-              <a:cs typeface="Arial" pitchFamily="34" charset="0"/>
-            </a:endParaRPr>
           </a:p>
         </p:txBody>
       </p:sp>
@@ -1183,7 +1083,7 @@
           <a:p>
             <a:pPr algn="ctr"/>
             <a:r>
-              <a:rPr lang="es-CO" sz="900" dirty="0" smtClean="0">
+              <a:rPr lang="es-CO" sz="900" dirty="0">
                 <a:solidFill>
                   <a:schemeClr val="tx1"/>
                 </a:solidFill>
@@ -1191,12 +1091,6 @@
               </a:rPr>
               <a:t>se define como   </a:t>
             </a:r>
-            <a:endParaRPr lang="es-CO" sz="900" dirty="0">
-              <a:solidFill>
-                <a:schemeClr val="tx1"/>
-              </a:solidFill>
-              <a:cs typeface="Arial" pitchFamily="34" charset="0"/>
-            </a:endParaRPr>
           </a:p>
         </p:txBody>
       </p:sp>
@@ -1210,9 +1104,9 @@
           <p:nvPr/>
         </p:nvCxnSpPr>
         <p:spPr>
-          <a:xfrm>
-            <a:off x="6850683" y="1984516"/>
-            <a:ext cx="6666" cy="167464"/>
+          <a:xfrm flipH="1">
+            <a:off x="6857349" y="1984516"/>
+            <a:ext cx="954" cy="167464"/>
           </a:xfrm>
           <a:prstGeom prst="straightConnector1">
             <a:avLst/>
@@ -1279,12 +1173,12 @@
           <a:p>
             <a:pPr algn="ctr"/>
             <a:r>
-              <a:rPr lang="es-ES_tradnl" sz="1050" dirty="0" smtClean="0">
+              <a:rPr lang="es-ES_tradnl" sz="1050" dirty="0">
                 <a:solidFill>
                   <a:schemeClr val="bg1"/>
                 </a:solidFill>
               </a:rPr>
-              <a:t>Una línea cerrada, en la cual todos sus puntos están a la misma distancia  de un punto fijo  llamado centro.</a:t>
+              <a:t>una línea cerrada, en la cual todos sus puntos están a la misma distancia  de un punto fijo  llamado centro.</a:t>
             </a:r>
             <a:endParaRPr lang="es-CO" sz="1050" i="1" dirty="0">
               <a:solidFill>
@@ -1342,7 +1236,7 @@
         </p:nvSpPr>
         <p:spPr>
           <a:xfrm>
-            <a:off x="4328103" y="4275768"/>
+            <a:off x="4747203" y="4298628"/>
             <a:ext cx="1197786" cy="602489"/>
           </a:xfrm>
           <a:prstGeom prst="rect">
@@ -1380,16 +1274,7 @@
                 </a:solidFill>
                 <a:cs typeface="Arial" pitchFamily="34" charset="0"/>
               </a:rPr>
-              <a:t>s</a:t>
-            </a:r>
-            <a:r>
-              <a:rPr lang="es-CO" sz="900" dirty="0" smtClean="0">
-                <a:solidFill>
-                  <a:schemeClr val="tx1"/>
-                </a:solidFill>
-                <a:cs typeface="Arial" pitchFamily="34" charset="0"/>
-              </a:rPr>
-              <a:t>egmentos asociados a una circunferencia</a:t>
+              <a:t>segmentos asociados a una circunferencia</a:t>
             </a:r>
             <a:endParaRPr lang="es-CO" sz="900" b="1" dirty="0">
               <a:solidFill>
@@ -1408,8 +1293,8 @@
         </p:nvSpPr>
         <p:spPr>
           <a:xfrm>
-            <a:off x="4278723" y="5085300"/>
-            <a:ext cx="1095738" cy="221963"/>
+            <a:off x="4933130" y="4993860"/>
+            <a:ext cx="823244" cy="221963"/>
           </a:xfrm>
           <a:prstGeom prst="rect">
             <a:avLst/>
@@ -1438,20 +1323,14 @@
           <a:p>
             <a:pPr algn="ctr"/>
             <a:r>
-              <a:rPr lang="es-CO" sz="900" dirty="0" smtClean="0">
+              <a:rPr lang="es-CO" sz="900" dirty="0">
                 <a:solidFill>
                   <a:schemeClr val="tx1"/>
                 </a:solidFill>
                 <a:cs typeface="Arial" pitchFamily="34" charset="0"/>
               </a:rPr>
-              <a:t>Se destacan</a:t>
-            </a:r>
-            <a:endParaRPr lang="es-CO" sz="900" dirty="0">
-              <a:solidFill>
-                <a:schemeClr val="tx1"/>
-              </a:solidFill>
-              <a:cs typeface="Arial" pitchFamily="34" charset="0"/>
-            </a:endParaRPr>
+              <a:t>se destacan</a:t>
+            </a:r>
           </a:p>
         </p:txBody>
       </p:sp>
@@ -1463,7 +1342,7 @@
         </p:nvSpPr>
         <p:spPr>
           <a:xfrm>
-            <a:off x="4951658" y="5450963"/>
+            <a:off x="5499787" y="5450963"/>
             <a:ext cx="969148" cy="374614"/>
           </a:xfrm>
           <a:prstGeom prst="rect">
@@ -1499,23 +1378,8 @@
                 </a:solidFill>
                 <a:cs typeface="Arial" pitchFamily="34" charset="0"/>
               </a:rPr>
-              <a:t>l</a:t>
-            </a:r>
-            <a:r>
-              <a:rPr lang="es-CO" sz="900" dirty="0" smtClean="0">
-                <a:solidFill>
-                  <a:schemeClr val="tx1"/>
-                </a:solidFill>
-                <a:cs typeface="Arial" pitchFamily="34" charset="0"/>
-              </a:rPr>
-              <a:t>as cuerdas</a:t>
-            </a:r>
-            <a:endParaRPr lang="es-CO" sz="900" dirty="0" smtClean="0">
-              <a:solidFill>
-                <a:schemeClr val="tx1"/>
-              </a:solidFill>
-              <a:cs typeface="Arial" pitchFamily="34" charset="0"/>
-            </a:endParaRPr>
+              <a:t>las cuerdas</a:t>
+            </a:r>
           </a:p>
         </p:txBody>
       </p:sp>
@@ -1557,7 +1421,7 @@
           <a:p>
             <a:pPr algn="ctr"/>
             <a:r>
-              <a:rPr lang="es-CO" sz="900" dirty="0" smtClean="0">
+              <a:rPr lang="es-CO" sz="900" dirty="0">
                 <a:solidFill>
                   <a:schemeClr val="tx1"/>
                 </a:solidFill>
@@ -1565,12 +1429,6 @@
               </a:rPr>
               <a:t>sus  elementos son   </a:t>
             </a:r>
-            <a:endParaRPr lang="es-CO" sz="900" dirty="0">
-              <a:solidFill>
-                <a:schemeClr val="tx1"/>
-              </a:solidFill>
-              <a:cs typeface="Arial" pitchFamily="34" charset="0"/>
-            </a:endParaRPr>
           </a:p>
         </p:txBody>
       </p:sp>
@@ -1582,8 +1440,8 @@
         </p:nvSpPr>
         <p:spPr>
           <a:xfrm>
-            <a:off x="2300786" y="4252593"/>
-            <a:ext cx="1197786" cy="602489"/>
+            <a:off x="2232206" y="4290061"/>
+            <a:ext cx="1197786" cy="607694"/>
           </a:xfrm>
           <a:prstGeom prst="rect">
             <a:avLst/>
@@ -1614,22 +1472,13 @@
           <a:p>
             <a:pPr algn="ctr"/>
             <a:r>
-              <a:rPr lang="es-CO" sz="900" dirty="0" smtClean="0">
+              <a:rPr lang="es-CO" sz="900" dirty="0">
                 <a:solidFill>
                   <a:schemeClr val="tx1"/>
                 </a:solidFill>
                 <a:cs typeface="Arial" pitchFamily="34" charset="0"/>
               </a:rPr>
-              <a:t>p</a:t>
-            </a:r>
-            <a:r>
-              <a:rPr lang="es-CO" sz="900" dirty="0" smtClean="0">
-                <a:solidFill>
-                  <a:schemeClr val="tx1"/>
-                </a:solidFill>
-                <a:cs typeface="Arial" pitchFamily="34" charset="0"/>
-              </a:rPr>
-              <a:t>osición relativa de las rectas respecto a una circunferencia</a:t>
+              <a:t>posición relativa de las rectas respecto a una circunferencia</a:t>
             </a:r>
             <a:endParaRPr lang="es-CO" sz="900" b="1" dirty="0">
               <a:solidFill>
@@ -1648,7 +1497,7 @@
         </p:nvSpPr>
         <p:spPr>
           <a:xfrm>
-            <a:off x="3889604" y="5450964"/>
+            <a:off x="4102964" y="5450964"/>
             <a:ext cx="1008703" cy="374612"/>
           </a:xfrm>
           <a:prstGeom prst="rect">
@@ -1677,7 +1526,7 @@
           <a:lstStyle/>
           <a:p>
             <a:r>
-              <a:rPr lang="es-ES" sz="900" dirty="0" smtClean="0">
+              <a:rPr lang="es-ES" sz="900" dirty="0">
                 <a:solidFill>
                   <a:schemeClr val="tx1"/>
                 </a:solidFill>
@@ -1693,21 +1542,8 @@
                   <a:schemeClr val="tx1"/>
                 </a:solidFill>
               </a:rPr>
-              <a:t>e</a:t>
-            </a:r>
-            <a:r>
-              <a:rPr lang="es-ES" sz="900" dirty="0" smtClean="0">
-                <a:solidFill>
-                  <a:schemeClr val="tx1"/>
-                </a:solidFill>
-              </a:rPr>
-              <a:t>l radio</a:t>
-            </a:r>
-            <a:endParaRPr lang="es-ES" sz="900" dirty="0" smtClean="0">
-              <a:solidFill>
-                <a:schemeClr val="tx1"/>
-              </a:solidFill>
-            </a:endParaRPr>
+              <a:t>el radio</a:t>
+            </a:r>
           </a:p>
           <a:p>
             <a:pPr algn="ctr"/>
@@ -1731,8 +1567,8 @@
         </p:nvCxnSpPr>
         <p:spPr>
           <a:xfrm>
-            <a:off x="965451" y="4878257"/>
-            <a:ext cx="0" cy="252613"/>
+            <a:off x="1338831" y="4897755"/>
+            <a:ext cx="0" cy="179950"/>
           </a:xfrm>
           <a:prstGeom prst="line">
             <a:avLst/>
@@ -1885,7 +1721,7 @@
                 <a:tab pos="5395913" algn="r"/>
               </a:tabLst>
             </a:pPr>
-            <a:endParaRPr kumimoji="0" lang="es-ES" sz="1800" b="0" i="0" u="none" strike="noStrike" cap="none" normalizeH="0" baseline="0" dirty="0" smtClean="0">
+            <a:endParaRPr kumimoji="0" lang="es-ES" sz="1800" b="0" i="0" u="none" strike="noStrike" cap="none" normalizeH="0" baseline="0" dirty="0">
               <a:ln>
                 <a:noFill/>
               </a:ln>
@@ -1906,8 +1742,8 @@
         </p:nvSpPr>
         <p:spPr>
           <a:xfrm>
-            <a:off x="328194" y="5551374"/>
-            <a:ext cx="1260000" cy="715539"/>
+            <a:off x="709194" y="5453987"/>
+            <a:ext cx="1260000" cy="642565"/>
           </a:xfrm>
           <a:prstGeom prst="rect">
             <a:avLst/>
@@ -1935,7 +1771,7 @@
           <a:lstStyle/>
           <a:p>
             <a:r>
-              <a:rPr lang="es-ES" sz="900" dirty="0" smtClean="0">
+              <a:rPr lang="es-ES" sz="900" dirty="0">
                 <a:solidFill>
                   <a:srgbClr val="FF0000"/>
                 </a:solidFill>
@@ -1946,22 +1782,18 @@
           <a:p>
             <a:pPr lvl="0" algn="ctr"/>
             <a:r>
-              <a:rPr lang="es-ES_tradnl" sz="900" dirty="0" smtClean="0"/>
+              <a:rPr lang="es-ES_tradnl" sz="900" dirty="0"/>
               <a:t>punto exterior:</a:t>
             </a:r>
           </a:p>
           <a:p>
             <a:pPr lvl="0" algn="ctr"/>
             <a:r>
-              <a:rPr lang="es-ES_tradnl" sz="900" dirty="0" smtClean="0"/>
-              <a:t>  fuera de la circunferencia.</a:t>
-            </a:r>
-            <a:endParaRPr lang="es-ES" sz="900" dirty="0" smtClean="0"/>
-          </a:p>
-          <a:p>
-            <a:pPr algn="ctr"/>
-            <a:r>
-              <a:rPr lang="es-ES" sz="900" dirty="0" smtClean="0">
+              <a:rPr lang="es-ES_tradnl" sz="900" dirty="0"/>
+              <a:t>  fuera de la circunferencia</a:t>
+            </a:r>
+            <a:r>
+              <a:rPr lang="es-ES" sz="900" dirty="0">
                 <a:solidFill>
                   <a:srgbClr val="FF0000"/>
                 </a:solidFill>
@@ -1991,8 +1823,8 @@
         </p:nvCxnSpPr>
         <p:spPr>
           <a:xfrm flipH="1">
-            <a:off x="956851" y="6266913"/>
-            <a:ext cx="1343" cy="241278"/>
+            <a:off x="1337851" y="6096552"/>
+            <a:ext cx="1343" cy="168305"/>
           </a:xfrm>
           <a:prstGeom prst="line">
             <a:avLst/>
@@ -2026,8 +1858,8 @@
         </p:nvSpPr>
         <p:spPr>
           <a:xfrm>
-            <a:off x="326851" y="6508191"/>
-            <a:ext cx="1260000" cy="715539"/>
+            <a:off x="707851" y="6264857"/>
+            <a:ext cx="1260000" cy="715538"/>
           </a:xfrm>
           <a:prstGeom prst="rect">
             <a:avLst/>
@@ -2056,20 +1888,16 @@
           <a:p>
             <a:pPr lvl="0" algn="ctr"/>
             <a:r>
-              <a:rPr lang="es-ES_tradnl" sz="900" dirty="0" smtClean="0"/>
+              <a:rPr lang="es-ES_tradnl" sz="900" dirty="0"/>
               <a:t>punto sobre: </a:t>
             </a:r>
           </a:p>
           <a:p>
             <a:pPr lvl="0" algn="ctr"/>
             <a:r>
-              <a:rPr lang="es-ES_tradnl" sz="900" dirty="0" smtClean="0"/>
-              <a:t> sobre la línea de la circunferencia.</a:t>
-            </a:r>
-            <a:endParaRPr lang="es-ES" sz="900" dirty="0" smtClean="0"/>
-          </a:p>
-          <a:p>
-            <a:pPr algn="ctr"/>
+              <a:rPr lang="es-ES_tradnl" sz="900" dirty="0"/>
+              <a:t> sobre la línea de la circunferencia</a:t>
+            </a:r>
             <a:endParaRPr lang="es-CO" sz="900" dirty="0">
               <a:solidFill>
                 <a:srgbClr val="FF0000"/>
@@ -2089,9 +1917,9 @@
           <p:nvPr/>
         </p:nvCxnSpPr>
         <p:spPr>
-          <a:xfrm>
-            <a:off x="956851" y="7223730"/>
-            <a:ext cx="2925" cy="256578"/>
+          <a:xfrm flipH="1">
+            <a:off x="1333156" y="6980395"/>
+            <a:ext cx="4695" cy="155145"/>
           </a:xfrm>
           <a:prstGeom prst="line">
             <a:avLst/>
@@ -2125,8 +1953,8 @@
         </p:nvSpPr>
         <p:spPr>
           <a:xfrm>
-            <a:off x="3885980" y="6051676"/>
-            <a:ext cx="1010652" cy="715539"/>
+            <a:off x="4099340" y="6051676"/>
+            <a:ext cx="1010652" cy="759673"/>
           </a:xfrm>
           <a:prstGeom prst="rect">
             <a:avLst/>
@@ -2155,7 +1983,7 @@
           <a:p>
             <a:pPr algn="ctr"/>
             <a:r>
-              <a:rPr lang="es-ES" sz="900" dirty="0" smtClean="0">
+              <a:rPr lang="es-ES" sz="900" dirty="0">
                 <a:solidFill>
                   <a:schemeClr val="tx1"/>
                 </a:solidFill>
@@ -2181,9 +2009,9 @@
           <p:nvPr/>
         </p:nvCxnSpPr>
         <p:spPr>
-          <a:xfrm flipH="1">
-            <a:off x="958194" y="5352833"/>
-            <a:ext cx="7257" cy="198541"/>
+          <a:xfrm>
+            <a:off x="1338831" y="5299668"/>
+            <a:ext cx="363" cy="154319"/>
           </a:xfrm>
           <a:prstGeom prst="line">
             <a:avLst/>
@@ -2217,8 +2045,8 @@
         </p:nvSpPr>
         <p:spPr>
           <a:xfrm>
-            <a:off x="329776" y="7480308"/>
-            <a:ext cx="1260000" cy="715539"/>
+            <a:off x="703156" y="7135540"/>
+            <a:ext cx="1260000" cy="715538"/>
           </a:xfrm>
           <a:prstGeom prst="rect">
             <a:avLst/>
@@ -2247,17 +2075,17 @@
           <a:p>
             <a:pPr lvl="0" algn="ctr"/>
             <a:r>
-              <a:rPr lang="es-ES_tradnl" sz="900" dirty="0" smtClean="0"/>
+              <a:rPr lang="es-ES_tradnl" sz="900" dirty="0"/>
               <a:t>puntos interior:</a:t>
             </a:r>
           </a:p>
           <a:p>
             <a:pPr lvl="0" algn="ctr"/>
             <a:r>
-              <a:rPr lang="es-ES_tradnl" sz="900" dirty="0" smtClean="0"/>
-              <a:t> en el interior de la circunferencia.</a:t>
-            </a:r>
-            <a:endParaRPr lang="es-ES" sz="900" dirty="0" smtClean="0"/>
+              <a:rPr lang="es-ES_tradnl" sz="900" dirty="0"/>
+              <a:t> en el interior de la circunferencia</a:t>
+            </a:r>
+            <a:endParaRPr lang="es-ES" sz="900" dirty="0"/>
           </a:p>
           <a:p>
             <a:pPr algn="ctr"/>
@@ -2275,14 +2103,14 @@
           <p:cNvPr id="314" name="313 Conector recto"/>
           <p:cNvCxnSpPr>
             <a:stCxn id="326" idx="0"/>
-            <a:endCxn id="3" idx="2"/>
+            <a:endCxn id="239" idx="2"/>
           </p:cNvCxnSpPr>
           <p:nvPr/>
         </p:nvCxnSpPr>
         <p:spPr>
           <a:xfrm flipH="1" flipV="1">
-            <a:off x="6840537" y="1051441"/>
-            <a:ext cx="10146" cy="153404"/>
+            <a:off x="6855616" y="1035607"/>
+            <a:ext cx="2687" cy="169238"/>
           </a:xfrm>
           <a:prstGeom prst="line">
             <a:avLst/>
@@ -2316,8 +2144,8 @@
         </p:nvSpPr>
         <p:spPr>
           <a:xfrm>
-            <a:off x="366558" y="4275768"/>
-            <a:ext cx="1197786" cy="602489"/>
+            <a:off x="739938" y="4290060"/>
+            <a:ext cx="1197786" cy="607695"/>
           </a:xfrm>
           <a:prstGeom prst="rect">
             <a:avLst/>
@@ -2348,22 +2176,13 @@
           <a:p>
             <a:pPr algn="ctr"/>
             <a:r>
-              <a:rPr lang="es-CO" sz="900" dirty="0" smtClean="0">
+              <a:rPr lang="es-CO" sz="900" dirty="0">
                 <a:solidFill>
                   <a:schemeClr val="tx1"/>
                 </a:solidFill>
                 <a:cs typeface="Arial" pitchFamily="34" charset="0"/>
               </a:rPr>
-              <a:t> </a:t>
-            </a:r>
-            <a:r>
-              <a:rPr lang="es-CO" sz="900" dirty="0" smtClean="0">
-                <a:solidFill>
-                  <a:schemeClr val="tx1"/>
-                </a:solidFill>
-                <a:cs typeface="Arial" pitchFamily="34" charset="0"/>
-              </a:rPr>
-              <a:t>posición relativa de los puntos respecto a una circunferencia</a:t>
+              <a:t> posición relativa de los puntos respecto a una circunferencia</a:t>
             </a:r>
             <a:endParaRPr lang="es-CO" sz="900" b="1" dirty="0">
               <a:solidFill>
@@ -2382,7 +2201,7 @@
         </p:nvSpPr>
         <p:spPr>
           <a:xfrm>
-            <a:off x="8623653" y="4299762"/>
+            <a:off x="8562693" y="4299762"/>
             <a:ext cx="1197786" cy="602489"/>
           </a:xfrm>
           <a:prstGeom prst="rect">
@@ -2414,7 +2233,7 @@
           <a:p>
             <a:pPr algn="ctr"/>
             <a:r>
-              <a:rPr lang="es-CO" sz="900" b="1" dirty="0" smtClean="0">
+              <a:rPr lang="es-CO" sz="900" dirty="0">
                 <a:solidFill>
                   <a:schemeClr val="tx1"/>
                 </a:solidFill>
@@ -2422,12 +2241,6 @@
               </a:rPr>
               <a:t>ángulos asociados a la circunferencia</a:t>
             </a:r>
-            <a:endParaRPr lang="es-CO" sz="900" b="1" dirty="0">
-              <a:solidFill>
-                <a:schemeClr val="tx1"/>
-              </a:solidFill>
-              <a:cs typeface="Arial" pitchFamily="34" charset="0"/>
-            </a:endParaRPr>
           </a:p>
         </p:txBody>
       </p:sp>
@@ -2439,8 +2252,8 @@
         </p:nvSpPr>
         <p:spPr>
           <a:xfrm>
-            <a:off x="417582" y="5130870"/>
-            <a:ext cx="1095738" cy="221963"/>
+            <a:off x="886047" y="5077705"/>
+            <a:ext cx="905568" cy="221963"/>
           </a:xfrm>
           <a:prstGeom prst="rect">
             <a:avLst/>
@@ -2469,7 +2282,7 @@
           <a:p>
             <a:pPr algn="ctr"/>
             <a:r>
-              <a:rPr lang="es-CO" sz="900" dirty="0" smtClean="0">
+              <a:rPr lang="es-CO" sz="900" dirty="0">
                 <a:solidFill>
                   <a:schemeClr val="tx1"/>
                 </a:solidFill>
@@ -2477,12 +2290,6 @@
               </a:rPr>
               <a:t>pueden ser        </a:t>
             </a:r>
-            <a:endParaRPr lang="es-CO" sz="900" dirty="0">
-              <a:solidFill>
-                <a:schemeClr val="tx1"/>
-              </a:solidFill>
-              <a:cs typeface="Arial" pitchFamily="34" charset="0"/>
-            </a:endParaRPr>
           </a:p>
         </p:txBody>
       </p:sp>
@@ -2497,7 +2304,7 @@
         </p:nvCxnSpPr>
         <p:spPr>
           <a:xfrm flipH="1">
-            <a:off x="4391306" y="5825576"/>
+            <a:off x="4604666" y="5825576"/>
             <a:ext cx="2650" cy="226100"/>
           </a:xfrm>
           <a:prstGeom prst="line">
@@ -2532,8 +2339,8 @@
         </p:nvSpPr>
         <p:spPr>
           <a:xfrm>
-            <a:off x="11305913" y="4252593"/>
-            <a:ext cx="1197786" cy="602489"/>
+            <a:off x="11928910" y="4295265"/>
+            <a:ext cx="1262834" cy="602490"/>
           </a:xfrm>
           <a:prstGeom prst="rect">
             <a:avLst/>
@@ -2564,13 +2371,13 @@
           <a:p>
             <a:pPr algn="ctr"/>
             <a:r>
-              <a:rPr lang="es-CO" sz="900" dirty="0" smtClean="0">
+              <a:rPr lang="es-CO" sz="900" dirty="0">
                 <a:solidFill>
                   <a:schemeClr val="tx1"/>
                 </a:solidFill>
                 <a:cs typeface="Arial" pitchFamily="34" charset="0"/>
               </a:rPr>
-              <a:t>Subconjuntos de la circunferencia   </a:t>
+              <a:t>subconjuntos de la circunferencia   </a:t>
             </a:r>
             <a:endParaRPr lang="es-CO" sz="900" b="1" dirty="0">
               <a:solidFill>
@@ -2589,8 +2396,8 @@
         </p:nvSpPr>
         <p:spPr>
           <a:xfrm>
-            <a:off x="6033996" y="5437280"/>
-            <a:ext cx="980367" cy="392000"/>
+            <a:off x="6591780" y="5444968"/>
+            <a:ext cx="980367" cy="397994"/>
           </a:xfrm>
           <a:prstGeom prst="rect">
             <a:avLst/>
@@ -2619,7 +2426,56 @@
           <a:p>
             <a:pPr algn="ctr"/>
             <a:r>
-              <a:rPr lang="es-CO" sz="900" dirty="0" smtClean="0">
+              <a:rPr lang="es-CO" sz="900" dirty="0">
+                <a:solidFill>
+                  <a:schemeClr val="tx1"/>
+                </a:solidFill>
+                <a:cs typeface="Arial" pitchFamily="34" charset="0"/>
+              </a:rPr>
+              <a:t>  ángulo central </a:t>
+            </a:r>
+          </a:p>
+        </p:txBody>
+      </p:sp>
+      <p:sp>
+        <p:nvSpPr>
+          <p:cNvPr id="445" name="Rectángulo 33"/>
+          <p:cNvSpPr/>
+          <p:nvPr/>
+        </p:nvSpPr>
+        <p:spPr>
+          <a:xfrm>
+            <a:off x="7636019" y="5450963"/>
+            <a:ext cx="976317" cy="392000"/>
+          </a:xfrm>
+          <a:prstGeom prst="rect">
+            <a:avLst/>
+          </a:prstGeom>
+          <a:solidFill>
+            <a:schemeClr val="bg1"/>
+          </a:solidFill>
+        </p:spPr>
+        <p:style>
+          <a:lnRef idx="2">
+            <a:schemeClr val="dk1"/>
+          </a:lnRef>
+          <a:fillRef idx="1">
+            <a:schemeClr val="lt1"/>
+          </a:fillRef>
+          <a:effectRef idx="0">
+            <a:schemeClr val="dk1"/>
+          </a:effectRef>
+          <a:fontRef idx="minor">
+            <a:schemeClr val="dk1"/>
+          </a:fontRef>
+        </p:style>
+        <p:txBody>
+          <a:bodyPr lIns="105683" tIns="52841" rIns="105683" bIns="52841" rtlCol="0" anchor="ctr"/>
+          <a:lstStyle/>
+          <a:p>
+            <a:pPr algn="ctr"/>
+            <a:r>
+              <a:rPr lang="es-CO" sz="900" dirty="0">
                 <a:solidFill>
                   <a:schemeClr val="tx1"/>
                 </a:solidFill>
@@ -2627,34 +2483,31 @@
               </a:rPr>
               <a:t>  ángulo </a:t>
             </a:r>
-            <a:r>
-              <a:rPr lang="es-CO" sz="900" dirty="0" smtClean="0">
+          </a:p>
+          <a:p>
+            <a:pPr algn="ctr"/>
+            <a:r>
+              <a:rPr lang="es-CO" sz="900" dirty="0">
                 <a:solidFill>
                   <a:schemeClr val="tx1"/>
                 </a:solidFill>
                 <a:cs typeface="Arial" pitchFamily="34" charset="0"/>
               </a:rPr>
-              <a:t>central </a:t>
-            </a:r>
-            <a:endParaRPr lang="es-CO" sz="900" dirty="0" smtClean="0">
-              <a:solidFill>
-                <a:schemeClr val="tx1"/>
-              </a:solidFill>
-              <a:cs typeface="Arial" pitchFamily="34" charset="0"/>
-            </a:endParaRPr>
+              <a:t>inscrito  </a:t>
+            </a:r>
           </a:p>
         </p:txBody>
       </p:sp>
       <p:sp>
         <p:nvSpPr>
-          <p:cNvPr id="445" name="Rectángulo 33"/>
+          <p:cNvPr id="466" name="Rectángulo 33"/>
           <p:cNvSpPr/>
           <p:nvPr/>
         </p:nvSpPr>
         <p:spPr>
           <a:xfrm>
-            <a:off x="7103635" y="5450963"/>
-            <a:ext cx="980367" cy="392000"/>
+            <a:off x="8684972" y="5450963"/>
+            <a:ext cx="950254" cy="392000"/>
           </a:xfrm>
           <a:prstGeom prst="rect">
             <a:avLst/>
@@ -2683,7 +2536,7 @@
           <a:p>
             <a:pPr algn="ctr"/>
             <a:r>
-              <a:rPr lang="es-CO" sz="900" dirty="0" smtClean="0">
+              <a:rPr lang="es-CO" sz="900" dirty="0">
                 <a:solidFill>
                   <a:schemeClr val="tx1"/>
                 </a:solidFill>
@@ -2695,27 +2548,74 @@
           <a:p>
             <a:pPr algn="ctr"/>
             <a:r>
-              <a:rPr lang="es-CO" sz="900" dirty="0" smtClean="0">
+              <a:rPr lang="es-CO" sz="900" dirty="0" err="1">
                 <a:solidFill>
                   <a:schemeClr val="tx1"/>
                 </a:solidFill>
                 <a:cs typeface="Arial" pitchFamily="34" charset="0"/>
               </a:rPr>
-              <a:t>inscrito  </a:t>
+              <a:t>semiinscrito</a:t>
+            </a:r>
+            <a:r>
+              <a:rPr lang="es-CO" sz="900" dirty="0">
+                <a:solidFill>
+                  <a:schemeClr val="tx1"/>
+                </a:solidFill>
+                <a:cs typeface="Arial" pitchFamily="34" charset="0"/>
+              </a:rPr>
+              <a:t>   </a:t>
             </a:r>
           </a:p>
         </p:txBody>
       </p:sp>
+      <p:cxnSp>
+        <p:nvCxnSpPr>
+          <p:cNvPr id="474" name="473 Conector recto"/>
+          <p:cNvCxnSpPr>
+            <a:stCxn id="444" idx="2"/>
+            <a:endCxn id="156" idx="0"/>
+          </p:cNvCxnSpPr>
+          <p:nvPr/>
+        </p:nvCxnSpPr>
+        <p:spPr>
+          <a:xfrm>
+            <a:off x="7081964" y="5842962"/>
+            <a:ext cx="427" cy="170428"/>
+          </a:xfrm>
+          <a:prstGeom prst="line">
+            <a:avLst/>
+          </a:prstGeom>
+          <a:ln w="12700">
+            <a:solidFill>
+              <a:schemeClr val="tx1"/>
+            </a:solidFill>
+          </a:ln>
+        </p:spPr>
+        <p:style>
+          <a:lnRef idx="1">
+            <a:schemeClr val="accent1"/>
+          </a:lnRef>
+          <a:fillRef idx="0">
+            <a:schemeClr val="accent1"/>
+          </a:fillRef>
+          <a:effectRef idx="0">
+            <a:schemeClr val="accent1"/>
+          </a:effectRef>
+          <a:fontRef idx="minor">
+            <a:schemeClr val="tx1"/>
+          </a:fontRef>
+        </p:style>
+      </p:cxnSp>
       <p:sp>
         <p:nvSpPr>
-          <p:cNvPr id="466" name="Rectángulo 33"/>
+          <p:cNvPr id="480" name="Rectángulo 33"/>
           <p:cNvSpPr/>
           <p:nvPr/>
         </p:nvSpPr>
         <p:spPr>
           <a:xfrm>
-            <a:off x="8203387" y="5450963"/>
-            <a:ext cx="980367" cy="392000"/>
+            <a:off x="9693716" y="5444969"/>
+            <a:ext cx="980367" cy="397993"/>
           </a:xfrm>
           <a:prstGeom prst="rect">
             <a:avLst/>
@@ -2744,7 +2644,7 @@
           <a:p>
             <a:pPr algn="ctr"/>
             <a:r>
-              <a:rPr lang="es-CO" sz="900" dirty="0" smtClean="0">
+              <a:rPr lang="es-CO" sz="900" dirty="0">
                 <a:solidFill>
                   <a:schemeClr val="tx1"/>
                 </a:solidFill>
@@ -2756,85 +2656,26 @@
           <a:p>
             <a:pPr algn="ctr"/>
             <a:r>
-              <a:rPr lang="es-CO" sz="900" dirty="0" err="1">
+              <a:rPr lang="es-CO" sz="900" dirty="0">
                 <a:solidFill>
                   <a:schemeClr val="tx1"/>
                 </a:solidFill>
                 <a:cs typeface="Arial" pitchFamily="34" charset="0"/>
               </a:rPr>
-              <a:t>s</a:t>
-            </a:r>
-            <a:r>
-              <a:rPr lang="es-CO" sz="900" dirty="0" err="1" smtClean="0">
-                <a:solidFill>
-                  <a:schemeClr val="tx1"/>
-                </a:solidFill>
-                <a:cs typeface="Arial" pitchFamily="34" charset="0"/>
-              </a:rPr>
-              <a:t>emiinscrito</a:t>
-            </a:r>
-            <a:r>
-              <a:rPr lang="es-CO" sz="900" dirty="0" smtClean="0">
-                <a:solidFill>
-                  <a:schemeClr val="tx1"/>
-                </a:solidFill>
-                <a:cs typeface="Arial" pitchFamily="34" charset="0"/>
-              </a:rPr>
-              <a:t>   </a:t>
-            </a:r>
-            <a:endParaRPr lang="es-CO" sz="900" dirty="0" smtClean="0">
-              <a:solidFill>
-                <a:schemeClr val="tx1"/>
-              </a:solidFill>
-              <a:cs typeface="Arial" pitchFamily="34" charset="0"/>
-            </a:endParaRPr>
+              <a:t>interior    </a:t>
+            </a:r>
           </a:p>
         </p:txBody>
       </p:sp>
-      <p:cxnSp>
-        <p:nvCxnSpPr>
-          <p:cNvPr id="474" name="473 Conector recto"/>
-          <p:cNvCxnSpPr/>
-          <p:nvPr/>
-        </p:nvCxnSpPr>
-        <p:spPr>
-          <a:xfrm flipH="1">
-            <a:off x="6577522" y="5825576"/>
-            <a:ext cx="1" cy="250538"/>
-          </a:xfrm>
-          <a:prstGeom prst="line">
-            <a:avLst/>
-          </a:prstGeom>
-          <a:ln w="12700">
-            <a:solidFill>
-              <a:schemeClr val="tx1"/>
-            </a:solidFill>
-          </a:ln>
-        </p:spPr>
-        <p:style>
-          <a:lnRef idx="1">
-            <a:schemeClr val="accent1"/>
-          </a:lnRef>
-          <a:fillRef idx="0">
-            <a:schemeClr val="accent1"/>
-          </a:fillRef>
-          <a:effectRef idx="0">
-            <a:schemeClr val="accent1"/>
-          </a:effectRef>
-          <a:fontRef idx="minor">
-            <a:schemeClr val="tx1"/>
-          </a:fontRef>
-        </p:style>
-      </p:cxnSp>
       <p:sp>
         <p:nvSpPr>
-          <p:cNvPr id="480" name="Rectángulo 33"/>
+          <p:cNvPr id="485" name="Rectángulo 33"/>
           <p:cNvSpPr/>
           <p:nvPr/>
         </p:nvSpPr>
         <p:spPr>
           <a:xfrm>
-            <a:off x="9212132" y="5443140"/>
+            <a:off x="10731662" y="5450963"/>
             <a:ext cx="980367" cy="392000"/>
           </a:xfrm>
           <a:prstGeom prst="rect">
@@ -2864,7 +2705,7 @@
           <a:p>
             <a:pPr algn="ctr"/>
             <a:r>
-              <a:rPr lang="es-CO" sz="900" dirty="0" smtClean="0">
+              <a:rPr lang="es-CO" sz="900" dirty="0">
                 <a:solidFill>
                   <a:schemeClr val="tx1"/>
                 </a:solidFill>
@@ -2876,68 +2717,7 @@
           <a:p>
             <a:pPr algn="ctr"/>
             <a:r>
-              <a:rPr lang="es-CO" sz="900" dirty="0" smtClean="0">
-                <a:solidFill>
-                  <a:schemeClr val="tx1"/>
-                </a:solidFill>
-                <a:cs typeface="Arial" pitchFamily="34" charset="0"/>
-              </a:rPr>
-              <a:t>interior    </a:t>
-            </a:r>
-          </a:p>
-        </p:txBody>
-      </p:sp>
-      <p:sp>
-        <p:nvSpPr>
-          <p:cNvPr id="485" name="Rectángulo 33"/>
-          <p:cNvSpPr/>
-          <p:nvPr/>
-        </p:nvSpPr>
-        <p:spPr>
-          <a:xfrm>
-            <a:off x="10226798" y="5450963"/>
-            <a:ext cx="980367" cy="392000"/>
-          </a:xfrm>
-          <a:prstGeom prst="rect">
-            <a:avLst/>
-          </a:prstGeom>
-          <a:solidFill>
-            <a:schemeClr val="bg1"/>
-          </a:solidFill>
-        </p:spPr>
-        <p:style>
-          <a:lnRef idx="2">
-            <a:schemeClr val="dk1"/>
-          </a:lnRef>
-          <a:fillRef idx="1">
-            <a:schemeClr val="lt1"/>
-          </a:fillRef>
-          <a:effectRef idx="0">
-            <a:schemeClr val="dk1"/>
-          </a:effectRef>
-          <a:fontRef idx="minor">
-            <a:schemeClr val="dk1"/>
-          </a:fontRef>
-        </p:style>
-        <p:txBody>
-          <a:bodyPr lIns="105683" tIns="52841" rIns="105683" bIns="52841" rtlCol="0" anchor="ctr"/>
-          <a:lstStyle/>
-          <a:p>
-            <a:pPr algn="ctr"/>
-            <a:r>
-              <a:rPr lang="es-CO" sz="900" dirty="0" smtClean="0">
-                <a:solidFill>
-                  <a:schemeClr val="tx1"/>
-                </a:solidFill>
-                <a:cs typeface="Arial" pitchFamily="34" charset="0"/>
-              </a:rPr>
-              <a:t>  ángulo </a:t>
-            </a:r>
-          </a:p>
-          <a:p>
-            <a:pPr algn="ctr"/>
-            <a:r>
-              <a:rPr lang="es-CO" sz="900" dirty="0" smtClean="0">
+              <a:rPr lang="es-CO" sz="900" dirty="0">
                 <a:solidFill>
                   <a:schemeClr val="tx1"/>
                 </a:solidFill>
@@ -2956,8 +2736,8 @@
         </p:nvSpPr>
         <p:spPr>
           <a:xfrm>
-            <a:off x="11312217" y="6946981"/>
-            <a:ext cx="1260000" cy="715539"/>
+            <a:off x="11928910" y="6612342"/>
+            <a:ext cx="1262834" cy="715539"/>
           </a:xfrm>
           <a:prstGeom prst="rect">
             <a:avLst/>
@@ -2986,10 +2766,10 @@
           <a:p>
             <a:pPr algn="ctr"/>
             <a:r>
-              <a:rPr lang="es-ES_tradnl" sz="900" dirty="0" smtClean="0"/>
+              <a:rPr lang="es-ES_tradnl" sz="900" dirty="0"/>
               <a:t>semicircunferencia: arco de circunferencia limitado por los extremos del diámetro</a:t>
             </a:r>
-            <a:endParaRPr lang="es-CO" sz="900" dirty="0" smtClean="0">
+            <a:endParaRPr lang="es-CO" sz="900" dirty="0">
               <a:solidFill>
                 <a:schemeClr val="tx1"/>
               </a:solidFill>
@@ -3006,8 +2786,8 @@
         </p:nvSpPr>
         <p:spPr>
           <a:xfrm>
-            <a:off x="11312217" y="5429891"/>
-            <a:ext cx="1260000" cy="715539"/>
+            <a:off x="11928910" y="5444970"/>
+            <a:ext cx="1262834" cy="591355"/>
           </a:xfrm>
           <a:prstGeom prst="rect">
             <a:avLst/>
@@ -3036,10 +2816,10 @@
           <a:p>
             <a:pPr algn="ctr"/>
             <a:r>
-              <a:rPr lang="es-ES_tradnl" sz="900" dirty="0" smtClean="0"/>
-              <a:t>Arco: sección de la circunferencia limitada por dos puntos sobre esta</a:t>
-            </a:r>
-            <a:endParaRPr lang="es-CO" sz="900" dirty="0" smtClean="0">
+              <a:rPr lang="es-ES_tradnl" sz="900" dirty="0"/>
+              <a:t>arco: sección de la circunferencia limitada por dos puntos sobre esta</a:t>
+            </a:r>
+            <a:endParaRPr lang="es-CO" sz="900" dirty="0">
               <a:solidFill>
                 <a:schemeClr val="tx1"/>
               </a:solidFill>
@@ -3056,8 +2836,8 @@
         </p:nvSpPr>
         <p:spPr>
           <a:xfrm>
-            <a:off x="3885980" y="7006446"/>
-            <a:ext cx="1095738" cy="221963"/>
+            <a:off x="4103427" y="7272266"/>
+            <a:ext cx="996125" cy="221963"/>
           </a:xfrm>
           <a:prstGeom prst="rect">
             <a:avLst/>
@@ -3086,7 +2866,7 @@
           <a:p>
             <a:pPr algn="ctr"/>
             <a:r>
-              <a:rPr lang="es-CO" sz="900" dirty="0" smtClean="0">
+              <a:rPr lang="es-CO" sz="900" dirty="0">
                 <a:solidFill>
                   <a:schemeClr val="tx1"/>
                 </a:solidFill>
@@ -3094,12 +2874,6 @@
               </a:rPr>
               <a:t>sus formulas son           </a:t>
             </a:r>
-            <a:endParaRPr lang="es-CO" sz="900" dirty="0">
-              <a:solidFill>
-                <a:schemeClr val="tx1"/>
-              </a:solidFill>
-              <a:cs typeface="Arial" pitchFamily="34" charset="0"/>
-            </a:endParaRPr>
           </a:p>
         </p:txBody>
       </p:sp>
@@ -3111,8 +2885,8 @@
         </p:nvSpPr>
         <p:spPr>
           <a:xfrm>
-            <a:off x="2786328" y="8418273"/>
-            <a:ext cx="1260000" cy="715539"/>
+            <a:off x="3426296" y="8418273"/>
+            <a:ext cx="1054372" cy="715539"/>
           </a:xfrm>
           <a:prstGeom prst="rect">
             <a:avLst/>
@@ -3140,7 +2914,7 @@
           <a:lstStyle/>
           <a:p>
             <a:pPr lvl="0" algn="ctr"/>
-            <a:endParaRPr lang="es-ES" sz="900" dirty="0" smtClean="0"/>
+            <a:endParaRPr lang="es-ES" sz="900" dirty="0"/>
           </a:p>
         </p:txBody>
       </p:sp>
@@ -3152,8 +2926,8 @@
         </p:nvSpPr>
         <p:spPr>
           <a:xfrm>
-            <a:off x="4100293" y="8412830"/>
-            <a:ext cx="1260000" cy="715539"/>
+            <a:off x="4594093" y="8412830"/>
+            <a:ext cx="1200539" cy="715539"/>
           </a:xfrm>
           <a:prstGeom prst="rect">
             <a:avLst/>
@@ -3181,7 +2955,7 @@
           <a:lstStyle/>
           <a:p>
             <a:pPr lvl="0" algn="ctr"/>
-            <a:endParaRPr lang="es-ES" sz="900" dirty="0" smtClean="0"/>
+            <a:endParaRPr lang="es-ES" sz="900" dirty="0"/>
           </a:p>
         </p:txBody>
       </p:sp>
@@ -3202,7 +2976,7 @@
         </p:blipFill>
         <p:spPr bwMode="auto">
           <a:xfrm>
-            <a:off x="3105382" y="8539078"/>
+            <a:off x="3539722" y="8539078"/>
             <a:ext cx="702729" cy="468486"/>
           </a:xfrm>
           <a:prstGeom prst="rect">
@@ -3235,7 +3009,7 @@
         </p:blipFill>
         <p:spPr bwMode="auto">
           <a:xfrm>
-            <a:off x="4250293" y="8595107"/>
+            <a:off x="4684633" y="8595107"/>
             <a:ext cx="1062499" cy="251211"/>
           </a:xfrm>
           <a:prstGeom prst="rect">
@@ -3254,13 +3028,16 @@
       <p:cxnSp>
         <p:nvCxnSpPr>
           <p:cNvPr id="221" name="220 Conector recto"/>
-          <p:cNvCxnSpPr/>
+          <p:cNvCxnSpPr>
+            <a:stCxn id="121" idx="2"/>
+            <a:endCxn id="218" idx="0"/>
+          </p:cNvCxnSpPr>
           <p:nvPr/>
         </p:nvCxnSpPr>
         <p:spPr>
           <a:xfrm flipH="1">
-            <a:off x="4391306" y="6767575"/>
-            <a:ext cx="4480" cy="225740"/>
+            <a:off x="4601490" y="6811349"/>
+            <a:ext cx="3176" cy="460917"/>
           </a:xfrm>
           <a:prstGeom prst="line">
             <a:avLst/>
@@ -3297,8 +3074,8 @@
         </p:nvCxnSpPr>
         <p:spPr>
           <a:xfrm rot="16200000" flipH="1">
-            <a:off x="3989861" y="7672397"/>
-            <a:ext cx="1184421" cy="296444"/>
+            <a:off x="4438626" y="7657092"/>
+            <a:ext cx="918601" cy="592873"/>
           </a:xfrm>
           <a:prstGeom prst="bentConnector3">
             <a:avLst>
@@ -3329,13 +3106,16 @@
       <p:cxnSp>
         <p:nvCxnSpPr>
           <p:cNvPr id="228" name="125 Conector angular"/>
-          <p:cNvCxnSpPr/>
+          <p:cNvCxnSpPr>
+            <a:stCxn id="218" idx="2"/>
+            <a:endCxn id="219" idx="0"/>
+          </p:cNvCxnSpPr>
           <p:nvPr/>
         </p:nvCxnSpPr>
         <p:spPr>
           <a:xfrm rot="5400000">
-            <a:off x="3330157" y="7314582"/>
-            <a:ext cx="1189864" cy="1017521"/>
+            <a:off x="3815464" y="7632247"/>
+            <a:ext cx="924044" cy="648008"/>
           </a:xfrm>
           <a:prstGeom prst="bentConnector3">
             <a:avLst>
@@ -3371,8 +3151,8 @@
         </p:nvSpPr>
         <p:spPr>
           <a:xfrm>
-            <a:off x="11394348" y="6459688"/>
-            <a:ext cx="1095738" cy="221963"/>
+            <a:off x="12011041" y="6160825"/>
+            <a:ext cx="1095738" cy="295433"/>
           </a:xfrm>
           <a:prstGeom prst="rect">
             <a:avLst/>
@@ -3407,23 +3187,8 @@
                 </a:solidFill>
                 <a:cs typeface="Arial" pitchFamily="34" charset="0"/>
               </a:rPr>
-              <a:t>c</a:t>
-            </a:r>
-            <a:r>
-              <a:rPr lang="es-CO" sz="900" dirty="0" smtClean="0">
-                <a:solidFill>
-                  <a:schemeClr val="tx1"/>
-                </a:solidFill>
-                <a:cs typeface="Arial" pitchFamily="34" charset="0"/>
-              </a:rPr>
-              <a:t>lase especial de arco</a:t>
-            </a:r>
-            <a:endParaRPr lang="es-CO" sz="900" dirty="0">
-              <a:solidFill>
-                <a:schemeClr val="tx1"/>
-              </a:solidFill>
-              <a:cs typeface="Arial" pitchFamily="34" charset="0"/>
-            </a:endParaRPr>
+              <a:t>clase especial de arco</a:t>
+            </a:r>
           </a:p>
         </p:txBody>
       </p:sp>
@@ -3435,8 +3200,8 @@
         </p:nvSpPr>
         <p:spPr>
           <a:xfrm>
-            <a:off x="6000707" y="6077825"/>
-            <a:ext cx="980367" cy="660564"/>
+            <a:off x="6598591" y="6013390"/>
+            <a:ext cx="967600" cy="1317483"/>
           </a:xfrm>
           <a:prstGeom prst="rect">
             <a:avLst/>
@@ -3465,7 +3230,7 @@
           <a:p>
             <a:pPr algn="ctr"/>
             <a:r>
-              <a:rPr lang="es-CO" sz="900" dirty="0" smtClean="0">
+              <a:rPr lang="es-CO" sz="900" dirty="0">
                 <a:solidFill>
                   <a:schemeClr val="tx1"/>
                 </a:solidFill>
@@ -3473,12 +3238,6 @@
               </a:rPr>
               <a:t>ángulo cuyo vértice está en el centro de la circunferencia</a:t>
             </a:r>
-            <a:endParaRPr lang="es-CO" sz="900" dirty="0" smtClean="0">
-              <a:solidFill>
-                <a:schemeClr val="tx1"/>
-              </a:solidFill>
-              <a:cs typeface="Arial" pitchFamily="34" charset="0"/>
-            </a:endParaRPr>
           </a:p>
         </p:txBody>
       </p:sp>
@@ -3490,8 +3249,8 @@
         </p:nvSpPr>
         <p:spPr>
           <a:xfrm>
-            <a:off x="7103635" y="6047662"/>
-            <a:ext cx="980367" cy="791752"/>
+            <a:off x="7636019" y="6013391"/>
+            <a:ext cx="980367" cy="1317482"/>
           </a:xfrm>
           <a:prstGeom prst="rect">
             <a:avLst/>
@@ -3520,7 +3279,7 @@
           <a:p>
             <a:pPr algn="ctr"/>
             <a:r>
-              <a:rPr lang="es-CO" sz="900" dirty="0" smtClean="0">
+              <a:rPr lang="es-CO" sz="900" dirty="0">
                 <a:solidFill>
                   <a:schemeClr val="tx1"/>
                 </a:solidFill>
@@ -3528,12 +3287,6 @@
               </a:rPr>
               <a:t>ángulo cuyo vértice está sobre la circunferencia y sus lados son secantes a esta</a:t>
             </a:r>
-            <a:endParaRPr lang="es-CO" sz="900" dirty="0" smtClean="0">
-              <a:solidFill>
-                <a:schemeClr val="tx1"/>
-              </a:solidFill>
-              <a:cs typeface="Arial" pitchFamily="34" charset="0"/>
-            </a:endParaRPr>
           </a:p>
         </p:txBody>
       </p:sp>
@@ -3545,8 +3298,8 @@
         </p:nvSpPr>
         <p:spPr>
           <a:xfrm>
-            <a:off x="8178522" y="6032429"/>
-            <a:ext cx="980367" cy="1298445"/>
+            <a:off x="8684971" y="6013391"/>
+            <a:ext cx="955502" cy="1317484"/>
           </a:xfrm>
           <a:prstGeom prst="rect">
             <a:avLst/>
@@ -3575,7 +3328,7 @@
           <a:p>
             <a:pPr algn="ctr"/>
             <a:r>
-              <a:rPr lang="es-CO" sz="900" dirty="0" smtClean="0">
+              <a:rPr lang="es-CO" sz="900" dirty="0">
                 <a:solidFill>
                   <a:schemeClr val="tx1"/>
                 </a:solidFill>
@@ -3583,12 +3336,6 @@
               </a:rPr>
               <a:t>ángulo cuyo vértice está sobre la circunferencia, tiene un lado secante y el otro lado tangente a la circunferencia</a:t>
             </a:r>
-            <a:endParaRPr lang="es-CO" sz="900" dirty="0" smtClean="0">
-              <a:solidFill>
-                <a:schemeClr val="tx1"/>
-              </a:solidFill>
-              <a:cs typeface="Arial" pitchFamily="34" charset="0"/>
-            </a:endParaRPr>
           </a:p>
         </p:txBody>
       </p:sp>
@@ -3600,8 +3347,8 @@
         </p:nvSpPr>
         <p:spPr>
           <a:xfrm>
-            <a:off x="9212132" y="6002713"/>
-            <a:ext cx="980367" cy="660564"/>
+            <a:off x="9693716" y="6013390"/>
+            <a:ext cx="980367" cy="1317483"/>
           </a:xfrm>
           <a:prstGeom prst="rect">
             <a:avLst/>
@@ -3630,7 +3377,7 @@
           <a:p>
             <a:pPr algn="ctr"/>
             <a:r>
-              <a:rPr lang="es-CO" sz="900" dirty="0" smtClean="0">
+              <a:rPr lang="es-CO" sz="900" dirty="0">
                 <a:solidFill>
                   <a:schemeClr val="tx1"/>
                 </a:solidFill>
@@ -3638,12 +3385,6 @@
               </a:rPr>
               <a:t>ángulo cuyo vértice está al interior de la circunferencia </a:t>
             </a:r>
-            <a:endParaRPr lang="es-CO" sz="900" dirty="0" smtClean="0">
-              <a:solidFill>
-                <a:schemeClr val="tx1"/>
-              </a:solidFill>
-              <a:cs typeface="Arial" pitchFamily="34" charset="0"/>
-            </a:endParaRPr>
           </a:p>
         </p:txBody>
       </p:sp>
@@ -3655,8 +3396,8 @@
         </p:nvSpPr>
         <p:spPr>
           <a:xfrm>
-            <a:off x="10250079" y="6013390"/>
-            <a:ext cx="980367" cy="1160454"/>
+            <a:off x="10731663" y="6013390"/>
+            <a:ext cx="980367" cy="1317484"/>
           </a:xfrm>
           <a:prstGeom prst="rect">
             <a:avLst/>
@@ -3685,7 +3426,7 @@
           <a:p>
             <a:pPr algn="ctr"/>
             <a:r>
-              <a:rPr lang="es-CO" sz="900" dirty="0" smtClean="0">
+              <a:rPr lang="es-CO" sz="900" dirty="0">
                 <a:solidFill>
                   <a:schemeClr val="tx1"/>
                 </a:solidFill>
@@ -3693,12 +3434,6 @@
               </a:rPr>
               <a:t>ángulo cuyo vértice es exterior a la circunferencia, sus lados pueden ser secantes o tangentes a esta </a:t>
             </a:r>
-            <a:endParaRPr lang="es-CO" sz="900" dirty="0" smtClean="0">
-              <a:solidFill>
-                <a:schemeClr val="tx1"/>
-              </a:solidFill>
-              <a:cs typeface="Arial" pitchFamily="34" charset="0"/>
-            </a:endParaRPr>
           </a:p>
         </p:txBody>
       </p:sp>
@@ -3710,8 +3445,8 @@
         </p:nvSpPr>
         <p:spPr>
           <a:xfrm>
-            <a:off x="4926996" y="6069485"/>
-            <a:ext cx="980367" cy="660564"/>
+            <a:off x="5497985" y="6023764"/>
+            <a:ext cx="980367" cy="787585"/>
           </a:xfrm>
           <a:prstGeom prst="rect">
             <a:avLst/>
@@ -3740,20 +3475,14 @@
           <a:p>
             <a:pPr algn="ctr"/>
             <a:r>
-              <a:rPr lang="es-CO" sz="900" dirty="0" smtClean="0">
+              <a:rPr lang="es-CO" sz="900" dirty="0">
                 <a:solidFill>
                   <a:schemeClr val="tx1"/>
                 </a:solidFill>
                 <a:cs typeface="Arial" pitchFamily="34" charset="0"/>
               </a:rPr>
-              <a:t>Segmento limitados por dos puntos sobre la circunferencia</a:t>
-            </a:r>
-            <a:endParaRPr lang="es-CO" sz="900" dirty="0" smtClean="0">
-              <a:solidFill>
-                <a:schemeClr val="tx1"/>
-              </a:solidFill>
-              <a:cs typeface="Arial" pitchFamily="34" charset="0"/>
-            </a:endParaRPr>
+              <a:t>segmento limitados por dos puntos sobre la circunferencia</a:t>
+            </a:r>
           </a:p>
         </p:txBody>
       </p:sp>
@@ -3765,8 +3494,8 @@
         </p:nvSpPr>
         <p:spPr>
           <a:xfrm>
-            <a:off x="4888363" y="7093401"/>
-            <a:ext cx="1095738" cy="221963"/>
+            <a:off x="5486299" y="6912354"/>
+            <a:ext cx="996125" cy="324977"/>
           </a:xfrm>
           <a:prstGeom prst="rect">
             <a:avLst/>
@@ -3801,23 +3530,8 @@
                 </a:solidFill>
                 <a:cs typeface="Arial" pitchFamily="34" charset="0"/>
               </a:rPr>
-              <a:t>c</a:t>
-            </a:r>
-            <a:r>
-              <a:rPr lang="es-CO" sz="900" dirty="0" smtClean="0">
-                <a:solidFill>
-                  <a:schemeClr val="tx1"/>
-                </a:solidFill>
-                <a:cs typeface="Arial" pitchFamily="34" charset="0"/>
-              </a:rPr>
-              <a:t>lase especial de cuerda</a:t>
-            </a:r>
-            <a:endParaRPr lang="es-CO" sz="900" dirty="0">
-              <a:solidFill>
-                <a:schemeClr val="tx1"/>
-              </a:solidFill>
-              <a:cs typeface="Arial" pitchFamily="34" charset="0"/>
-            </a:endParaRPr>
+              <a:t>clase especial de cuerda</a:t>
+            </a:r>
           </a:p>
         </p:txBody>
       </p:sp>
@@ -3829,8 +3543,8 @@
         </p:nvSpPr>
         <p:spPr>
           <a:xfrm>
-            <a:off x="4940737" y="7563590"/>
-            <a:ext cx="969148" cy="548976"/>
+            <a:off x="5496486" y="7350229"/>
+            <a:ext cx="969148" cy="632257"/>
           </a:xfrm>
           <a:prstGeom prst="rect">
             <a:avLst/>
@@ -3859,196 +3573,30 @@
           <a:p>
             <a:pPr algn="ctr"/>
             <a:r>
-              <a:rPr lang="es-CO" sz="900" dirty="0" smtClean="0">
+              <a:rPr lang="es-CO" sz="900" dirty="0">
                 <a:solidFill>
                   <a:schemeClr val="tx1"/>
                 </a:solidFill>
                 <a:cs typeface="Arial" pitchFamily="34" charset="0"/>
               </a:rPr>
-              <a:t>Diámetro: es la cuerda máxima de la circunferencia</a:t>
-            </a:r>
-            <a:endParaRPr lang="es-CO" sz="900" dirty="0" smtClean="0">
-              <a:solidFill>
-                <a:schemeClr val="tx1"/>
-              </a:solidFill>
-              <a:cs typeface="Arial" pitchFamily="34" charset="0"/>
-            </a:endParaRPr>
+              <a:t>diámetro: es la cuerda máxima de la circunferencia</a:t>
+            </a:r>
           </a:p>
         </p:txBody>
       </p:sp>
       <p:cxnSp>
         <p:nvCxnSpPr>
-          <p:cNvPr id="453" name="Conector angular 452"/>
+          <p:cNvPr id="227" name="473 Conector recto"/>
           <p:cNvCxnSpPr>
-            <a:stCxn id="338" idx="2"/>
-            <a:endCxn id="444" idx="0"/>
+            <a:stCxn id="417" idx="2"/>
+            <a:endCxn id="212" idx="0"/>
           </p:cNvCxnSpPr>
           <p:nvPr/>
         </p:nvCxnSpPr>
         <p:spPr>
-          <a:xfrm rot="5400000">
-            <a:off x="7605849" y="3820582"/>
-            <a:ext cx="535029" cy="2698366"/>
-          </a:xfrm>
-          <a:prstGeom prst="bentConnector3">
-            <a:avLst/>
-          </a:prstGeom>
-        </p:spPr>
-        <p:style>
-          <a:lnRef idx="1">
-            <a:schemeClr val="dk1"/>
-          </a:lnRef>
-          <a:fillRef idx="0">
-            <a:schemeClr val="dk1"/>
-          </a:fillRef>
-          <a:effectRef idx="0">
-            <a:schemeClr val="dk1"/>
-          </a:effectRef>
-          <a:fontRef idx="minor">
-            <a:schemeClr val="tx1"/>
-          </a:fontRef>
-        </p:style>
-      </p:cxnSp>
-      <p:cxnSp>
-        <p:nvCxnSpPr>
-          <p:cNvPr id="457" name="Conector angular 456"/>
-          <p:cNvCxnSpPr>
-            <a:stCxn id="338" idx="2"/>
-            <a:endCxn id="445" idx="0"/>
-          </p:cNvCxnSpPr>
-          <p:nvPr/>
-        </p:nvCxnSpPr>
-        <p:spPr>
-          <a:xfrm rot="5400000">
-            <a:off x="8133827" y="4362244"/>
-            <a:ext cx="548712" cy="1628727"/>
-          </a:xfrm>
-          <a:prstGeom prst="bentConnector3">
-            <a:avLst/>
-          </a:prstGeom>
-        </p:spPr>
-        <p:style>
-          <a:lnRef idx="1">
-            <a:schemeClr val="dk1"/>
-          </a:lnRef>
-          <a:fillRef idx="0">
-            <a:schemeClr val="dk1"/>
-          </a:fillRef>
-          <a:effectRef idx="0">
-            <a:schemeClr val="dk1"/>
-          </a:effectRef>
-          <a:fontRef idx="minor">
-            <a:schemeClr val="tx1"/>
-          </a:fontRef>
-        </p:style>
-      </p:cxnSp>
-      <p:cxnSp>
-        <p:nvCxnSpPr>
-          <p:cNvPr id="464" name="Conector recto 463"/>
-          <p:cNvCxnSpPr>
-            <a:endCxn id="466" idx="0"/>
-          </p:cNvCxnSpPr>
-          <p:nvPr/>
-        </p:nvCxnSpPr>
-        <p:spPr>
-          <a:xfrm>
-            <a:off x="8693570" y="5169765"/>
-            <a:ext cx="1" cy="281198"/>
-          </a:xfrm>
-          <a:prstGeom prst="line">
-            <a:avLst/>
-          </a:prstGeom>
-        </p:spPr>
-        <p:style>
-          <a:lnRef idx="1">
-            <a:schemeClr val="accent1"/>
-          </a:lnRef>
-          <a:fillRef idx="0">
-            <a:schemeClr val="accent1"/>
-          </a:fillRef>
-          <a:effectRef idx="0">
-            <a:schemeClr val="accent1"/>
-          </a:effectRef>
-          <a:fontRef idx="minor">
-            <a:schemeClr val="tx1"/>
-          </a:fontRef>
-        </p:style>
-      </p:cxnSp>
-      <p:cxnSp>
-        <p:nvCxnSpPr>
-          <p:cNvPr id="467" name="Conector angular 466"/>
-          <p:cNvCxnSpPr>
-            <a:stCxn id="338" idx="2"/>
-            <a:endCxn id="485" idx="0"/>
-          </p:cNvCxnSpPr>
-          <p:nvPr/>
-        </p:nvCxnSpPr>
-        <p:spPr>
-          <a:xfrm rot="16200000" flipH="1">
-            <a:off x="9695408" y="4429389"/>
-            <a:ext cx="548712" cy="1494436"/>
-          </a:xfrm>
-          <a:prstGeom prst="bentConnector3">
-            <a:avLst/>
-          </a:prstGeom>
-        </p:spPr>
-        <p:style>
-          <a:lnRef idx="1">
-            <a:schemeClr val="dk1"/>
-          </a:lnRef>
-          <a:fillRef idx="0">
-            <a:schemeClr val="dk1"/>
-          </a:fillRef>
-          <a:effectRef idx="0">
-            <a:schemeClr val="dk1"/>
-          </a:effectRef>
-          <a:fontRef idx="minor">
-            <a:schemeClr val="tx1"/>
-          </a:fontRef>
-        </p:style>
-      </p:cxnSp>
-      <p:cxnSp>
-        <p:nvCxnSpPr>
-          <p:cNvPr id="473" name="Conector recto 472"/>
-          <p:cNvCxnSpPr>
-            <a:endCxn id="480" idx="0"/>
-          </p:cNvCxnSpPr>
-          <p:nvPr/>
-        </p:nvCxnSpPr>
-        <p:spPr>
-          <a:xfrm>
-            <a:off x="9702315" y="5192465"/>
-            <a:ext cx="1" cy="250675"/>
-          </a:xfrm>
-          <a:prstGeom prst="line">
-            <a:avLst/>
-          </a:prstGeom>
-        </p:spPr>
-        <p:style>
-          <a:lnRef idx="1">
-            <a:schemeClr val="accent1"/>
-          </a:lnRef>
-          <a:fillRef idx="0">
-            <a:schemeClr val="accent1"/>
-          </a:fillRef>
-          <a:effectRef idx="0">
-            <a:schemeClr val="accent1"/>
-          </a:effectRef>
-          <a:fontRef idx="minor">
-            <a:schemeClr val="tx1"/>
-          </a:fontRef>
-        </p:style>
-      </p:cxnSp>
-      <p:cxnSp>
-        <p:nvCxnSpPr>
-          <p:cNvPr id="227" name="473 Conector recto"/>
-          <p:cNvCxnSpPr/>
-          <p:nvPr/>
-        </p:nvCxnSpPr>
-        <p:spPr>
-          <a:xfrm>
-            <a:off x="11933651" y="4891647"/>
-            <a:ext cx="8566" cy="502673"/>
+          <a:xfrm>
+            <a:off x="12560327" y="4897755"/>
+            <a:ext cx="0" cy="547215"/>
           </a:xfrm>
           <a:prstGeom prst="line">
             <a:avLst/>
@@ -4076,80 +3624,17 @@
       </p:cxnSp>
       <p:cxnSp>
         <p:nvCxnSpPr>
-          <p:cNvPr id="506" name="Conector recto 505"/>
+          <p:cNvPr id="238" name="473 Conector recto"/>
           <p:cNvCxnSpPr>
-            <a:stCxn id="212" idx="2"/>
-            <a:endCxn id="138" idx="0"/>
+            <a:stCxn id="117" idx="2"/>
+            <a:endCxn id="176" idx="0"/>
           </p:cNvCxnSpPr>
           <p:nvPr/>
         </p:nvCxnSpPr>
         <p:spPr>
           <a:xfrm>
-            <a:off x="11942217" y="6145430"/>
-            <a:ext cx="0" cy="314258"/>
-          </a:xfrm>
-          <a:prstGeom prst="line">
-            <a:avLst/>
-          </a:prstGeom>
-        </p:spPr>
-        <p:style>
-          <a:lnRef idx="1">
-            <a:schemeClr val="accent1"/>
-          </a:lnRef>
-          <a:fillRef idx="0">
-            <a:schemeClr val="accent1"/>
-          </a:fillRef>
-          <a:effectRef idx="0">
-            <a:schemeClr val="accent1"/>
-          </a:effectRef>
-          <a:fontRef idx="minor">
-            <a:schemeClr val="tx1"/>
-          </a:fontRef>
-        </p:style>
-      </p:cxnSp>
-      <p:cxnSp>
-        <p:nvCxnSpPr>
-          <p:cNvPr id="509" name="Conector recto 508"/>
-          <p:cNvCxnSpPr>
-            <a:stCxn id="138" idx="2"/>
-            <a:endCxn id="190" idx="0"/>
-          </p:cNvCxnSpPr>
-          <p:nvPr/>
-        </p:nvCxnSpPr>
-        <p:spPr>
-          <a:xfrm>
-            <a:off x="11942217" y="6681651"/>
-            <a:ext cx="0" cy="265330"/>
-          </a:xfrm>
-          <a:prstGeom prst="line">
-            <a:avLst/>
-          </a:prstGeom>
-        </p:spPr>
-        <p:style>
-          <a:lnRef idx="1">
-            <a:schemeClr val="accent1"/>
-          </a:lnRef>
-          <a:fillRef idx="0">
-            <a:schemeClr val="accent1"/>
-          </a:fillRef>
-          <a:effectRef idx="0">
-            <a:schemeClr val="accent1"/>
-          </a:effectRef>
-          <a:fontRef idx="minor">
-            <a:schemeClr val="tx1"/>
-          </a:fontRef>
-        </p:style>
-      </p:cxnSp>
-      <p:cxnSp>
-        <p:nvCxnSpPr>
-          <p:cNvPr id="238" name="473 Conector recto"/>
-          <p:cNvCxnSpPr/>
-          <p:nvPr/>
-        </p:nvCxnSpPr>
-        <p:spPr>
-          <a:xfrm flipH="1">
-            <a:off x="5487006" y="5843345"/>
-            <a:ext cx="1" cy="250538"/>
+            <a:off x="5984361" y="5825577"/>
+            <a:ext cx="3808" cy="198187"/>
           </a:xfrm>
           <a:prstGeom prst="line">
             <a:avLst/>
@@ -4177,47 +3662,17 @@
       </p:cxnSp>
       <p:cxnSp>
         <p:nvCxnSpPr>
-          <p:cNvPr id="241" name="473 Conector recto"/>
+          <p:cNvPr id="242" name="473 Conector recto"/>
           <p:cNvCxnSpPr>
-            <a:stCxn id="445" idx="2"/>
+            <a:stCxn id="466" idx="2"/>
+            <a:endCxn id="159" idx="0"/>
           </p:cNvCxnSpPr>
           <p:nvPr/>
         </p:nvCxnSpPr>
         <p:spPr>
           <a:xfrm>
-            <a:off x="7593819" y="5842963"/>
-            <a:ext cx="5594" cy="203815"/>
-          </a:xfrm>
-          <a:prstGeom prst="line">
-            <a:avLst/>
-          </a:prstGeom>
-          <a:ln/>
-        </p:spPr>
-        <p:style>
-          <a:lnRef idx="1">
-            <a:schemeClr val="dk1"/>
-          </a:lnRef>
-          <a:fillRef idx="0">
-            <a:schemeClr val="dk1"/>
-          </a:fillRef>
-          <a:effectRef idx="0">
-            <a:schemeClr val="dk1"/>
-          </a:effectRef>
-          <a:fontRef idx="minor">
-            <a:schemeClr val="tx1"/>
-          </a:fontRef>
-        </p:style>
-      </p:cxnSp>
-      <p:cxnSp>
-        <p:nvCxnSpPr>
-          <p:cNvPr id="242" name="473 Conector recto"/>
-          <p:cNvCxnSpPr/>
-          <p:nvPr/>
-        </p:nvCxnSpPr>
-        <p:spPr>
-          <a:xfrm flipH="1">
-            <a:off x="8703500" y="5825576"/>
-            <a:ext cx="1" cy="250538"/>
+            <a:off x="9160099" y="5842963"/>
+            <a:ext cx="2623" cy="170428"/>
           </a:xfrm>
           <a:prstGeom prst="line">
             <a:avLst/>
@@ -4247,14 +3702,15 @@
         <p:nvCxnSpPr>
           <p:cNvPr id="244" name="473 Conector recto"/>
           <p:cNvCxnSpPr>
+            <a:stCxn id="480" idx="2"/>
             <a:endCxn id="163" idx="0"/>
           </p:cNvCxnSpPr>
           <p:nvPr/>
         </p:nvCxnSpPr>
         <p:spPr>
-          <a:xfrm flipH="1">
-            <a:off x="9702316" y="5813357"/>
-            <a:ext cx="1" cy="189356"/>
+          <a:xfrm>
+            <a:off x="10183900" y="5842962"/>
+            <a:ext cx="0" cy="170428"/>
           </a:xfrm>
           <a:prstGeom prst="line">
             <a:avLst/>
@@ -4284,14 +3740,15 @@
         <p:nvCxnSpPr>
           <p:cNvPr id="245" name="473 Conector recto"/>
           <p:cNvCxnSpPr>
+            <a:stCxn id="485" idx="2"/>
             <a:endCxn id="165" idx="0"/>
           </p:cNvCxnSpPr>
           <p:nvPr/>
         </p:nvCxnSpPr>
         <p:spPr>
-          <a:xfrm flipH="1">
-            <a:off x="10740263" y="5833084"/>
-            <a:ext cx="19627" cy="180306"/>
+          <a:xfrm>
+            <a:off x="11221846" y="5842963"/>
+            <a:ext cx="1" cy="170427"/>
           </a:xfrm>
           <a:prstGeom prst="line">
             <a:avLst/>
@@ -4320,13 +3777,16 @@
       <p:cxnSp>
         <p:nvCxnSpPr>
           <p:cNvPr id="246" name="473 Conector recto"/>
-          <p:cNvCxnSpPr/>
+          <p:cNvCxnSpPr>
+            <a:stCxn id="176" idx="2"/>
+            <a:endCxn id="178" idx="0"/>
+          </p:cNvCxnSpPr>
           <p:nvPr/>
         </p:nvCxnSpPr>
         <p:spPr>
           <a:xfrm flipH="1">
-            <a:off x="5417178" y="6705651"/>
-            <a:ext cx="1" cy="250538"/>
+            <a:off x="5984362" y="6811349"/>
+            <a:ext cx="3807" cy="101005"/>
           </a:xfrm>
           <a:prstGeom prst="line">
             <a:avLst/>
@@ -4355,13 +3815,16 @@
       <p:cxnSp>
         <p:nvCxnSpPr>
           <p:cNvPr id="247" name="473 Conector recto"/>
-          <p:cNvCxnSpPr/>
+          <p:cNvCxnSpPr>
+            <a:stCxn id="178" idx="2"/>
+            <a:endCxn id="179" idx="0"/>
+          </p:cNvCxnSpPr>
           <p:nvPr/>
         </p:nvCxnSpPr>
         <p:spPr>
           <a:xfrm flipH="1">
-            <a:off x="5425311" y="7332619"/>
-            <a:ext cx="1" cy="250538"/>
+            <a:off x="5981060" y="7237331"/>
+            <a:ext cx="3302" cy="112898"/>
           </a:xfrm>
           <a:prstGeom prst="line">
             <a:avLst/>
@@ -4395,7 +3858,7 @@
         </p:nvSpPr>
         <p:spPr>
           <a:xfrm>
-            <a:off x="2267447" y="5380845"/>
+            <a:off x="2198867" y="5444968"/>
             <a:ext cx="1260000" cy="651584"/>
           </a:xfrm>
           <a:prstGeom prst="rect">
@@ -4424,7 +3887,7 @@
           <a:lstStyle/>
           <a:p>
             <a:r>
-              <a:rPr lang="es-ES" sz="900" dirty="0" smtClean="0">
+              <a:rPr lang="es-ES" sz="900" dirty="0">
                 <a:solidFill>
                   <a:srgbClr val="FF0000"/>
                 </a:solidFill>
@@ -4434,20 +3897,20 @@
           </a:p>
           <a:p>
             <a:pPr lvl="0" algn="ctr"/>
-            <a:endParaRPr lang="es-CO" sz="900" dirty="0" smtClean="0"/>
+            <a:endParaRPr lang="es-CO" sz="900" dirty="0"/>
           </a:p>
           <a:p>
             <a:pPr lvl="0" algn="ctr"/>
             <a:r>
-              <a:rPr lang="es-CO" sz="900" dirty="0" smtClean="0"/>
-              <a:t>Recta tangente: interseca a la circunferencia en un solo punto</a:t>
-            </a:r>
-            <a:endParaRPr lang="es-ES" sz="900" dirty="0" smtClean="0"/>
+              <a:rPr lang="es-CO" sz="900" dirty="0"/>
+              <a:t>recta tangente: interseca a la circunferencia en un solo punto</a:t>
+            </a:r>
+            <a:endParaRPr lang="es-ES" sz="900" dirty="0"/>
           </a:p>
           <a:p>
             <a:pPr algn="ctr"/>
             <a:r>
-              <a:rPr lang="es-ES" sz="900" dirty="0" smtClean="0">
+              <a:rPr lang="es-ES" sz="900" dirty="0">
                 <a:solidFill>
                   <a:srgbClr val="FF0000"/>
                 </a:solidFill>
@@ -4474,7 +3937,7 @@
         </p:nvSpPr>
         <p:spPr>
           <a:xfrm>
-            <a:off x="2259079" y="6200733"/>
+            <a:off x="2198119" y="6264856"/>
             <a:ext cx="1260000" cy="715539"/>
           </a:xfrm>
           <a:prstGeom prst="rect">
@@ -4502,43 +3965,30 @@
           <a:bodyPr lIns="105683" tIns="52841" rIns="105683" bIns="52841" rtlCol="0" anchor="ctr"/>
           <a:lstStyle/>
           <a:p>
-            <a:r>
-              <a:rPr lang="es-ES" sz="900" dirty="0" smtClean="0">
+            <a:pPr algn="ctr"/>
+            <a:r>
+              <a:rPr lang="es-ES" sz="900" dirty="0">
                 <a:solidFill>
                   <a:srgbClr val="FF0000"/>
                 </a:solidFill>
               </a:rPr>
               <a:t> </a:t>
             </a:r>
-            <a:endParaRPr lang="es-ES" sz="900" dirty="0" smtClean="0">
-              <a:solidFill>
-                <a:srgbClr val="FF0000"/>
-              </a:solidFill>
-            </a:endParaRPr>
           </a:p>
           <a:p>
             <a:pPr lvl="0" algn="ctr"/>
             <a:r>
-              <a:rPr lang="es-CO" sz="900" dirty="0" smtClean="0"/>
-              <a:t>Recta secante: interseca a la  circunferencia en dos puntos</a:t>
-            </a:r>
-            <a:endParaRPr lang="es-ES" sz="900" dirty="0" smtClean="0"/>
-          </a:p>
-          <a:p>
-            <a:pPr algn="ctr"/>
-            <a:r>
-              <a:rPr lang="es-ES" sz="900" dirty="0" smtClean="0">
+              <a:rPr lang="es-CO" sz="900" dirty="0"/>
+              <a:t>recta secante: interseca a la  circunferencia en dos puntos</a:t>
+            </a:r>
+            <a:r>
+              <a:rPr lang="es-ES" sz="900" dirty="0">
                 <a:solidFill>
                   <a:srgbClr val="FF0000"/>
                 </a:solidFill>
               </a:rPr>
               <a:t> </a:t>
             </a:r>
-            <a:endParaRPr lang="es-ES" sz="900" dirty="0" smtClean="0">
-              <a:solidFill>
-                <a:srgbClr val="FF0000"/>
-              </a:solidFill>
-            </a:endParaRPr>
           </a:p>
           <a:p>
             <a:pPr algn="ctr"/>
@@ -4559,7 +4009,7 @@
         </p:nvSpPr>
         <p:spPr>
           <a:xfrm>
-            <a:off x="2257736" y="7025696"/>
+            <a:off x="2196776" y="7135539"/>
             <a:ext cx="1260000" cy="715539"/>
           </a:xfrm>
           <a:prstGeom prst="rect">
@@ -4588,26 +4038,21 @@
           <a:lstStyle/>
           <a:p>
             <a:r>
-              <a:rPr lang="es-ES" sz="900" dirty="0" smtClean="0">
+              <a:rPr lang="es-ES" sz="900" dirty="0">
                 <a:solidFill>
                   <a:srgbClr val="FF0000"/>
                 </a:solidFill>
               </a:rPr>
               <a:t> </a:t>
             </a:r>
-            <a:endParaRPr lang="es-ES" sz="900" dirty="0" smtClean="0">
-              <a:solidFill>
-                <a:srgbClr val="FF0000"/>
-              </a:solidFill>
-            </a:endParaRPr>
           </a:p>
           <a:p>
             <a:pPr lvl="0" algn="ctr"/>
             <a:r>
-              <a:rPr lang="es-CO" sz="900" dirty="0" smtClean="0"/>
-              <a:t>Recta exterior: No interseca a la  circunferencia.</a:t>
-            </a:r>
-            <a:endParaRPr lang="es-ES" sz="900" dirty="0" smtClean="0">
+              <a:rPr lang="es-CO" sz="900" dirty="0"/>
+              <a:t>recta exterior: No interseca a la  circunferencia</a:t>
+            </a:r>
+            <a:endParaRPr lang="es-ES" sz="900" dirty="0">
               <a:solidFill>
                 <a:srgbClr val="FF0000"/>
               </a:solidFill>
@@ -4626,7 +4071,614 @@
       </p:sp>
       <p:cxnSp>
         <p:nvCxnSpPr>
-          <p:cNvPr id="67" name="Conector recto 66"/>
+          <p:cNvPr id="131" name="473 Conector recto"/>
+          <p:cNvCxnSpPr>
+            <a:stCxn id="445" idx="2"/>
+            <a:endCxn id="158" idx="0"/>
+          </p:cNvCxnSpPr>
+          <p:nvPr/>
+        </p:nvCxnSpPr>
+        <p:spPr>
+          <a:xfrm>
+            <a:off x="8124178" y="5842963"/>
+            <a:ext cx="2025" cy="170428"/>
+          </a:xfrm>
+          <a:prstGeom prst="line">
+            <a:avLst/>
+          </a:prstGeom>
+          <a:ln w="12700">
+            <a:solidFill>
+              <a:schemeClr val="tx1"/>
+            </a:solidFill>
+          </a:ln>
+        </p:spPr>
+        <p:style>
+          <a:lnRef idx="1">
+            <a:schemeClr val="accent1"/>
+          </a:lnRef>
+          <a:fillRef idx="0">
+            <a:schemeClr val="accent1"/>
+          </a:fillRef>
+          <a:effectRef idx="0">
+            <a:schemeClr val="accent1"/>
+          </a:effectRef>
+          <a:fontRef idx="minor">
+            <a:schemeClr val="tx1"/>
+          </a:fontRef>
+        </p:style>
+      </p:cxnSp>
+      <p:cxnSp>
+        <p:nvCxnSpPr>
+          <p:cNvPr id="119" name="Conector angular 118"/>
+          <p:cNvCxnSpPr>
+            <a:stCxn id="445" idx="0"/>
+            <a:endCxn id="338" idx="2"/>
+          </p:cNvCxnSpPr>
+          <p:nvPr/>
+        </p:nvCxnSpPr>
+        <p:spPr>
+          <a:xfrm rot="5400000" flipH="1" flipV="1">
+            <a:off x="8368526" y="4657903"/>
+            <a:ext cx="548712" cy="1037408"/>
+          </a:xfrm>
+          <a:prstGeom prst="bentConnector3">
+            <a:avLst>
+              <a:gd name="adj1" fmla="val 50000"/>
+            </a:avLst>
+          </a:prstGeom>
+        </p:spPr>
+        <p:style>
+          <a:lnRef idx="2">
+            <a:schemeClr val="dk1"/>
+          </a:lnRef>
+          <a:fillRef idx="0">
+            <a:schemeClr val="dk1"/>
+          </a:fillRef>
+          <a:effectRef idx="1">
+            <a:schemeClr val="dk1"/>
+          </a:effectRef>
+          <a:fontRef idx="minor">
+            <a:schemeClr val="tx1"/>
+          </a:fontRef>
+        </p:style>
+      </p:cxnSp>
+      <p:cxnSp>
+        <p:nvCxnSpPr>
+          <p:cNvPr id="160" name="Conector angular 159"/>
+          <p:cNvCxnSpPr>
+            <a:stCxn id="466" idx="0"/>
+            <a:endCxn id="338" idx="2"/>
+          </p:cNvCxnSpPr>
+          <p:nvPr/>
+        </p:nvCxnSpPr>
+        <p:spPr>
+          <a:xfrm rot="5400000" flipH="1" flipV="1">
+            <a:off x="8886486" y="5175864"/>
+            <a:ext cx="548712" cy="1487"/>
+          </a:xfrm>
+          <a:prstGeom prst="bentConnector3">
+            <a:avLst>
+              <a:gd name="adj1" fmla="val 50000"/>
+            </a:avLst>
+          </a:prstGeom>
+        </p:spPr>
+        <p:style>
+          <a:lnRef idx="2">
+            <a:schemeClr val="dk1"/>
+          </a:lnRef>
+          <a:fillRef idx="0">
+            <a:schemeClr val="dk1"/>
+          </a:fillRef>
+          <a:effectRef idx="1">
+            <a:schemeClr val="dk1"/>
+          </a:effectRef>
+          <a:fontRef idx="minor">
+            <a:schemeClr val="tx1"/>
+          </a:fontRef>
+        </p:style>
+      </p:cxnSp>
+      <p:cxnSp>
+        <p:nvCxnSpPr>
+          <p:cNvPr id="162" name="Conector angular 161"/>
+          <p:cNvCxnSpPr>
+            <a:stCxn id="444" idx="0"/>
+            <a:endCxn id="338" idx="2"/>
+          </p:cNvCxnSpPr>
+          <p:nvPr/>
+        </p:nvCxnSpPr>
+        <p:spPr>
+          <a:xfrm rot="5400000" flipH="1" flipV="1">
+            <a:off x="7850417" y="4133799"/>
+            <a:ext cx="542717" cy="2079622"/>
+          </a:xfrm>
+          <a:prstGeom prst="bentConnector3">
+            <a:avLst>
+              <a:gd name="adj1" fmla="val 50000"/>
+            </a:avLst>
+          </a:prstGeom>
+        </p:spPr>
+        <p:style>
+          <a:lnRef idx="2">
+            <a:schemeClr val="dk1"/>
+          </a:lnRef>
+          <a:fillRef idx="0">
+            <a:schemeClr val="dk1"/>
+          </a:fillRef>
+          <a:effectRef idx="1">
+            <a:schemeClr val="dk1"/>
+          </a:effectRef>
+          <a:fontRef idx="minor">
+            <a:schemeClr val="tx1"/>
+          </a:fontRef>
+        </p:style>
+      </p:cxnSp>
+      <p:cxnSp>
+        <p:nvCxnSpPr>
+          <p:cNvPr id="166" name="Conector angular 165"/>
+          <p:cNvCxnSpPr>
+            <a:stCxn id="480" idx="0"/>
+            <a:endCxn id="338" idx="2"/>
+          </p:cNvCxnSpPr>
+          <p:nvPr/>
+        </p:nvCxnSpPr>
+        <p:spPr>
+          <a:xfrm rot="16200000" flipV="1">
+            <a:off x="9401384" y="4662453"/>
+            <a:ext cx="542718" cy="1022314"/>
+          </a:xfrm>
+          <a:prstGeom prst="bentConnector3">
+            <a:avLst>
+              <a:gd name="adj1" fmla="val 50000"/>
+            </a:avLst>
+          </a:prstGeom>
+        </p:spPr>
+        <p:style>
+          <a:lnRef idx="2">
+            <a:schemeClr val="dk1"/>
+          </a:lnRef>
+          <a:fillRef idx="0">
+            <a:schemeClr val="dk1"/>
+          </a:fillRef>
+          <a:effectRef idx="1">
+            <a:schemeClr val="dk1"/>
+          </a:effectRef>
+          <a:fontRef idx="minor">
+            <a:schemeClr val="tx1"/>
+          </a:fontRef>
+        </p:style>
+      </p:cxnSp>
+      <p:cxnSp>
+        <p:nvCxnSpPr>
+          <p:cNvPr id="168" name="Conector angular 167"/>
+          <p:cNvCxnSpPr>
+            <a:stCxn id="485" idx="0"/>
+            <a:endCxn id="338" idx="2"/>
+          </p:cNvCxnSpPr>
+          <p:nvPr/>
+        </p:nvCxnSpPr>
+        <p:spPr>
+          <a:xfrm rot="16200000" flipV="1">
+            <a:off x="9917360" y="4146477"/>
+            <a:ext cx="548712" cy="2060260"/>
+          </a:xfrm>
+          <a:prstGeom prst="bentConnector3">
+            <a:avLst>
+              <a:gd name="adj1" fmla="val 50000"/>
+            </a:avLst>
+          </a:prstGeom>
+        </p:spPr>
+        <p:style>
+          <a:lnRef idx="2">
+            <a:schemeClr val="dk1"/>
+          </a:lnRef>
+          <a:fillRef idx="0">
+            <a:schemeClr val="dk1"/>
+          </a:fillRef>
+          <a:effectRef idx="1">
+            <a:schemeClr val="dk1"/>
+          </a:effectRef>
+          <a:fontRef idx="minor">
+            <a:schemeClr val="tx1"/>
+          </a:fontRef>
+        </p:style>
+      </p:cxnSp>
+      <p:cxnSp>
+        <p:nvCxnSpPr>
+          <p:cNvPr id="171" name="473 Conector recto"/>
+          <p:cNvCxnSpPr>
+            <a:stCxn id="212" idx="2"/>
+            <a:endCxn id="138" idx="0"/>
+          </p:cNvCxnSpPr>
+          <p:nvPr/>
+        </p:nvCxnSpPr>
+        <p:spPr>
+          <a:xfrm flipH="1">
+            <a:off x="12558910" y="6036325"/>
+            <a:ext cx="1417" cy="124500"/>
+          </a:xfrm>
+          <a:prstGeom prst="line">
+            <a:avLst/>
+          </a:prstGeom>
+          <a:ln w="12700">
+            <a:solidFill>
+              <a:schemeClr val="tx1"/>
+            </a:solidFill>
+          </a:ln>
+        </p:spPr>
+        <p:style>
+          <a:lnRef idx="1">
+            <a:schemeClr val="accent1"/>
+          </a:lnRef>
+          <a:fillRef idx="0">
+            <a:schemeClr val="accent1"/>
+          </a:fillRef>
+          <a:effectRef idx="0">
+            <a:schemeClr val="accent1"/>
+          </a:effectRef>
+          <a:fontRef idx="minor">
+            <a:schemeClr val="tx1"/>
+          </a:fontRef>
+        </p:style>
+      </p:cxnSp>
+      <p:cxnSp>
+        <p:nvCxnSpPr>
+          <p:cNvPr id="174" name="473 Conector recto"/>
+          <p:cNvCxnSpPr>
+            <a:stCxn id="138" idx="2"/>
+            <a:endCxn id="190" idx="0"/>
+          </p:cNvCxnSpPr>
+          <p:nvPr/>
+        </p:nvCxnSpPr>
+        <p:spPr>
+          <a:xfrm>
+            <a:off x="12558910" y="6456258"/>
+            <a:ext cx="1417" cy="156084"/>
+          </a:xfrm>
+          <a:prstGeom prst="line">
+            <a:avLst/>
+          </a:prstGeom>
+          <a:ln w="12700">
+            <a:solidFill>
+              <a:schemeClr val="tx1"/>
+            </a:solidFill>
+          </a:ln>
+        </p:spPr>
+        <p:style>
+          <a:lnRef idx="1">
+            <a:schemeClr val="accent1"/>
+          </a:lnRef>
+          <a:fillRef idx="0">
+            <a:schemeClr val="accent1"/>
+          </a:fillRef>
+          <a:effectRef idx="0">
+            <a:schemeClr val="accent1"/>
+          </a:effectRef>
+          <a:fontRef idx="minor">
+            <a:schemeClr val="tx1"/>
+          </a:fontRef>
+        </p:style>
+      </p:cxnSp>
+      <p:cxnSp>
+        <p:nvCxnSpPr>
+          <p:cNvPr id="180" name="Conector angular 179"/>
+          <p:cNvCxnSpPr>
+            <a:stCxn id="417" idx="0"/>
+            <a:endCxn id="146" idx="2"/>
+          </p:cNvCxnSpPr>
+          <p:nvPr/>
+        </p:nvCxnSpPr>
+        <p:spPr>
+          <a:xfrm rot="16200000" flipV="1">
+            <a:off x="9599323" y="1334261"/>
+            <a:ext cx="219862" cy="5702146"/>
+          </a:xfrm>
+          <a:prstGeom prst="bentConnector3">
+            <a:avLst>
+              <a:gd name="adj1" fmla="val 50000"/>
+            </a:avLst>
+          </a:prstGeom>
+        </p:spPr>
+        <p:style>
+          <a:lnRef idx="2">
+            <a:schemeClr val="dk1"/>
+          </a:lnRef>
+          <a:fillRef idx="0">
+            <a:schemeClr val="dk1"/>
+          </a:fillRef>
+          <a:effectRef idx="1">
+            <a:schemeClr val="dk1"/>
+          </a:effectRef>
+          <a:fontRef idx="minor">
+            <a:schemeClr val="tx1"/>
+          </a:fontRef>
+        </p:style>
+      </p:cxnSp>
+      <p:cxnSp>
+        <p:nvCxnSpPr>
+          <p:cNvPr id="181" name="Conector angular 180"/>
+          <p:cNvCxnSpPr>
+            <a:stCxn id="338" idx="0"/>
+            <a:endCxn id="146" idx="2"/>
+          </p:cNvCxnSpPr>
+          <p:nvPr/>
+        </p:nvCxnSpPr>
+        <p:spPr>
+          <a:xfrm rot="16200000" flipV="1">
+            <a:off x="7897705" y="3035880"/>
+            <a:ext cx="224359" cy="2303405"/>
+          </a:xfrm>
+          <a:prstGeom prst="bentConnector3">
+            <a:avLst>
+              <a:gd name="adj1" fmla="val 50000"/>
+            </a:avLst>
+          </a:prstGeom>
+        </p:spPr>
+        <p:style>
+          <a:lnRef idx="2">
+            <a:schemeClr val="dk1"/>
+          </a:lnRef>
+          <a:fillRef idx="0">
+            <a:schemeClr val="dk1"/>
+          </a:fillRef>
+          <a:effectRef idx="1">
+            <a:schemeClr val="dk1"/>
+          </a:effectRef>
+          <a:fontRef idx="minor">
+            <a:schemeClr val="tx1"/>
+          </a:fontRef>
+        </p:style>
+      </p:cxnSp>
+      <p:cxnSp>
+        <p:nvCxnSpPr>
+          <p:cNvPr id="184" name="Conector angular 183"/>
+          <p:cNvCxnSpPr>
+            <a:stCxn id="117" idx="0"/>
+            <a:endCxn id="113" idx="2"/>
+          </p:cNvCxnSpPr>
+          <p:nvPr/>
+        </p:nvCxnSpPr>
+        <p:spPr>
+          <a:xfrm rot="16200000" flipV="1">
+            <a:off x="5546987" y="5013588"/>
+            <a:ext cx="235140" cy="639609"/>
+          </a:xfrm>
+          <a:prstGeom prst="bentConnector3">
+            <a:avLst>
+              <a:gd name="adj1" fmla="val 50000"/>
+            </a:avLst>
+          </a:prstGeom>
+        </p:spPr>
+        <p:style>
+          <a:lnRef idx="2">
+            <a:schemeClr val="dk1"/>
+          </a:lnRef>
+          <a:fillRef idx="0">
+            <a:schemeClr val="dk1"/>
+          </a:fillRef>
+          <a:effectRef idx="1">
+            <a:schemeClr val="dk1"/>
+          </a:effectRef>
+          <a:fontRef idx="minor">
+            <a:schemeClr val="tx1"/>
+          </a:fontRef>
+        </p:style>
+      </p:cxnSp>
+      <p:cxnSp>
+        <p:nvCxnSpPr>
+          <p:cNvPr id="187" name="Conector angular 186"/>
+          <p:cNvCxnSpPr>
+            <a:stCxn id="113" idx="0"/>
+            <a:endCxn id="596" idx="2"/>
+          </p:cNvCxnSpPr>
+          <p:nvPr/>
+        </p:nvCxnSpPr>
+        <p:spPr>
+          <a:xfrm rot="5400000" flipH="1" flipV="1">
+            <a:off x="5299053" y="4946817"/>
+            <a:ext cx="92743" cy="1344"/>
+          </a:xfrm>
+          <a:prstGeom prst="bentConnector3">
+            <a:avLst>
+              <a:gd name="adj1" fmla="val 50000"/>
+            </a:avLst>
+          </a:prstGeom>
+        </p:spPr>
+        <p:style>
+          <a:lnRef idx="2">
+            <a:schemeClr val="dk1"/>
+          </a:lnRef>
+          <a:fillRef idx="0">
+            <a:schemeClr val="dk1"/>
+          </a:fillRef>
+          <a:effectRef idx="1">
+            <a:schemeClr val="dk1"/>
+          </a:effectRef>
+          <a:fontRef idx="minor">
+            <a:schemeClr val="tx1"/>
+          </a:fontRef>
+        </p:style>
+      </p:cxnSp>
+      <p:cxnSp>
+        <p:nvCxnSpPr>
+          <p:cNvPr id="192" name="Conector angular 191"/>
+          <p:cNvCxnSpPr>
+            <a:stCxn id="152" idx="0"/>
+            <a:endCxn id="113" idx="2"/>
+          </p:cNvCxnSpPr>
+          <p:nvPr/>
+        </p:nvCxnSpPr>
+        <p:spPr>
+          <a:xfrm rot="5400000" flipH="1" flipV="1">
+            <a:off x="4858464" y="4964676"/>
+            <a:ext cx="235141" cy="737436"/>
+          </a:xfrm>
+          <a:prstGeom prst="bentConnector3">
+            <a:avLst>
+              <a:gd name="adj1" fmla="val 50000"/>
+            </a:avLst>
+          </a:prstGeom>
+        </p:spPr>
+        <p:style>
+          <a:lnRef idx="2">
+            <a:schemeClr val="dk1"/>
+          </a:lnRef>
+          <a:fillRef idx="0">
+            <a:schemeClr val="dk1"/>
+          </a:fillRef>
+          <a:effectRef idx="1">
+            <a:schemeClr val="dk1"/>
+          </a:effectRef>
+          <a:fontRef idx="minor">
+            <a:schemeClr val="tx1"/>
+          </a:fontRef>
+        </p:style>
+      </p:cxnSp>
+      <p:cxnSp>
+        <p:nvCxnSpPr>
+          <p:cNvPr id="193" name="Conector angular 192"/>
+          <p:cNvCxnSpPr>
+            <a:stCxn id="596" idx="0"/>
+            <a:endCxn id="146" idx="2"/>
+          </p:cNvCxnSpPr>
+          <p:nvPr/>
+        </p:nvCxnSpPr>
+        <p:spPr>
+          <a:xfrm rot="5400000" flipH="1" flipV="1">
+            <a:off x="5990526" y="3430974"/>
+            <a:ext cx="223225" cy="1512085"/>
+          </a:xfrm>
+          <a:prstGeom prst="bentConnector3">
+            <a:avLst>
+              <a:gd name="adj1" fmla="val 50000"/>
+            </a:avLst>
+          </a:prstGeom>
+        </p:spPr>
+        <p:style>
+          <a:lnRef idx="2">
+            <a:schemeClr val="dk1"/>
+          </a:lnRef>
+          <a:fillRef idx="0">
+            <a:schemeClr val="dk1"/>
+          </a:fillRef>
+          <a:effectRef idx="1">
+            <a:schemeClr val="dk1"/>
+          </a:effectRef>
+          <a:fontRef idx="minor">
+            <a:schemeClr val="tx1"/>
+          </a:fontRef>
+        </p:style>
+      </p:cxnSp>
+      <p:cxnSp>
+        <p:nvCxnSpPr>
+          <p:cNvPr id="209" name="Conector angular 208"/>
+          <p:cNvCxnSpPr>
+            <a:stCxn id="147" idx="0"/>
+            <a:endCxn id="146" idx="2"/>
+          </p:cNvCxnSpPr>
+          <p:nvPr/>
+        </p:nvCxnSpPr>
+        <p:spPr>
+          <a:xfrm rot="5400000" flipH="1" flipV="1">
+            <a:off x="4737311" y="2169191"/>
+            <a:ext cx="214658" cy="4027082"/>
+          </a:xfrm>
+          <a:prstGeom prst="bentConnector3">
+            <a:avLst>
+              <a:gd name="adj1" fmla="val 50000"/>
+            </a:avLst>
+          </a:prstGeom>
+        </p:spPr>
+        <p:style>
+          <a:lnRef idx="2">
+            <a:schemeClr val="dk1"/>
+          </a:lnRef>
+          <a:fillRef idx="0">
+            <a:schemeClr val="dk1"/>
+          </a:fillRef>
+          <a:effectRef idx="1">
+            <a:schemeClr val="dk1"/>
+          </a:effectRef>
+          <a:fontRef idx="minor">
+            <a:schemeClr val="tx1"/>
+          </a:fontRef>
+        </p:style>
+      </p:cxnSp>
+      <p:cxnSp>
+        <p:nvCxnSpPr>
+          <p:cNvPr id="213" name="Conector angular 212"/>
+          <p:cNvCxnSpPr>
+            <a:stCxn id="334" idx="0"/>
+            <a:endCxn id="146" idx="2"/>
+          </p:cNvCxnSpPr>
+          <p:nvPr/>
+        </p:nvCxnSpPr>
+        <p:spPr>
+          <a:xfrm rot="5400000" flipH="1" flipV="1">
+            <a:off x="3991178" y="1423057"/>
+            <a:ext cx="214657" cy="5519350"/>
+          </a:xfrm>
+          <a:prstGeom prst="bentConnector3">
+            <a:avLst>
+              <a:gd name="adj1" fmla="val 50000"/>
+            </a:avLst>
+          </a:prstGeom>
+        </p:spPr>
+        <p:style>
+          <a:lnRef idx="2">
+            <a:schemeClr val="dk1"/>
+          </a:lnRef>
+          <a:fillRef idx="0">
+            <a:schemeClr val="dk1"/>
+          </a:fillRef>
+          <a:effectRef idx="1">
+            <a:schemeClr val="dk1"/>
+          </a:effectRef>
+          <a:fontRef idx="minor">
+            <a:schemeClr val="tx1"/>
+          </a:fontRef>
+        </p:style>
+      </p:cxnSp>
+      <p:cxnSp>
+        <p:nvCxnSpPr>
+          <p:cNvPr id="222" name="95 Conector recto"/>
+          <p:cNvCxnSpPr>
+            <a:stCxn id="147" idx="2"/>
+            <a:endCxn id="248" idx="0"/>
+          </p:cNvCxnSpPr>
+          <p:nvPr/>
+        </p:nvCxnSpPr>
+        <p:spPr>
+          <a:xfrm flipH="1">
+            <a:off x="2828867" y="4897755"/>
+            <a:ext cx="2232" cy="547213"/>
+          </a:xfrm>
+          <a:prstGeom prst="line">
+            <a:avLst/>
+          </a:prstGeom>
+          <a:ln w="12700">
+            <a:solidFill>
+              <a:schemeClr val="tx1"/>
+            </a:solidFill>
+          </a:ln>
+        </p:spPr>
+        <p:style>
+          <a:lnRef idx="1">
+            <a:schemeClr val="accent1"/>
+          </a:lnRef>
+          <a:fillRef idx="0">
+            <a:schemeClr val="accent1"/>
+          </a:fillRef>
+          <a:effectRef idx="0">
+            <a:schemeClr val="accent1"/>
+          </a:effectRef>
+          <a:fontRef idx="minor">
+            <a:schemeClr val="tx1"/>
+          </a:fontRef>
+        </p:style>
+      </p:cxnSp>
+      <p:cxnSp>
+        <p:nvCxnSpPr>
+          <p:cNvPr id="229" name="95 Conector recto"/>
           <p:cNvCxnSpPr>
             <a:stCxn id="248" idx="2"/>
             <a:endCxn id="249" idx="0"/>
@@ -4635,22 +4687,27 @@
         </p:nvCxnSpPr>
         <p:spPr>
           <a:xfrm flipH="1">
-            <a:off x="2889079" y="6032429"/>
-            <a:ext cx="8368" cy="168304"/>
+            <a:off x="2828119" y="6096552"/>
+            <a:ext cx="748" cy="168304"/>
           </a:xfrm>
           <a:prstGeom prst="line">
             <a:avLst/>
           </a:prstGeom>
+          <a:ln w="12700">
+            <a:solidFill>
+              <a:schemeClr val="tx1"/>
+            </a:solidFill>
+          </a:ln>
         </p:spPr>
         <p:style>
           <a:lnRef idx="1">
-            <a:schemeClr val="dk1"/>
+            <a:schemeClr val="accent1"/>
           </a:lnRef>
           <a:fillRef idx="0">
-            <a:schemeClr val="dk1"/>
-          </a:fillRef>
-          <a:effectRef idx="0">
-            <a:schemeClr val="dk1"/>
+            <a:schemeClr val="accent1"/>
+          </a:fillRef>
+          <a:effectRef idx="0">
+            <a:schemeClr val="accent1"/>
           </a:effectRef>
           <a:fontRef idx="minor">
             <a:schemeClr val="tx1"/>
@@ -4659,7 +4716,7 @@
       </p:cxnSp>
       <p:cxnSp>
         <p:nvCxnSpPr>
-          <p:cNvPr id="69" name="Conector recto 68"/>
+          <p:cNvPr id="231" name="95 Conector recto"/>
           <p:cNvCxnSpPr>
             <a:stCxn id="249" idx="2"/>
             <a:endCxn id="250" idx="0"/>
@@ -4668,12 +4725,17 @@
         </p:nvCxnSpPr>
         <p:spPr>
           <a:xfrm flipH="1">
-            <a:off x="2887736" y="6916272"/>
-            <a:ext cx="1343" cy="109424"/>
+            <a:off x="2826776" y="6980395"/>
+            <a:ext cx="1343" cy="155144"/>
           </a:xfrm>
           <a:prstGeom prst="line">
             <a:avLst/>
           </a:prstGeom>
+          <a:ln w="12700">
+            <a:solidFill>
+              <a:schemeClr val="tx1"/>
+            </a:solidFill>
+          </a:ln>
         </p:spPr>
         <p:style>
           <a:lnRef idx="1">
@@ -4684,272 +4746,6 @@
           </a:fillRef>
           <a:effectRef idx="0">
             <a:schemeClr val="accent1"/>
-          </a:effectRef>
-          <a:fontRef idx="minor">
-            <a:schemeClr val="tx1"/>
-          </a:fontRef>
-        </p:style>
-      </p:cxnSp>
-      <p:cxnSp>
-        <p:nvCxnSpPr>
-          <p:cNvPr id="72" name="Conector angular 71"/>
-          <p:cNvCxnSpPr>
-            <a:stCxn id="113" idx="2"/>
-            <a:endCxn id="152" idx="0"/>
-          </p:cNvCxnSpPr>
-          <p:nvPr/>
-        </p:nvCxnSpPr>
-        <p:spPr>
-          <a:xfrm rot="5400000">
-            <a:off x="4538424" y="5162795"/>
-            <a:ext cx="143701" cy="432636"/>
-          </a:xfrm>
-          <a:prstGeom prst="bentConnector3">
-            <a:avLst/>
-          </a:prstGeom>
-        </p:spPr>
-        <p:style>
-          <a:lnRef idx="1">
-            <a:schemeClr val="dk1"/>
-          </a:lnRef>
-          <a:fillRef idx="0">
-            <a:schemeClr val="dk1"/>
-          </a:fillRef>
-          <a:effectRef idx="0">
-            <a:schemeClr val="dk1"/>
-          </a:effectRef>
-          <a:fontRef idx="minor">
-            <a:schemeClr val="tx1"/>
-          </a:fontRef>
-        </p:style>
-      </p:cxnSp>
-      <p:cxnSp>
-        <p:nvCxnSpPr>
-          <p:cNvPr id="75" name="Conector angular 74"/>
-          <p:cNvCxnSpPr>
-            <a:stCxn id="113" idx="2"/>
-            <a:endCxn id="117" idx="0"/>
-          </p:cNvCxnSpPr>
-          <p:nvPr/>
-        </p:nvCxnSpPr>
-        <p:spPr>
-          <a:xfrm rot="16200000" flipH="1">
-            <a:off x="5059562" y="5074293"/>
-            <a:ext cx="143700" cy="609640"/>
-          </a:xfrm>
-          <a:prstGeom prst="bentConnector3">
-            <a:avLst/>
-          </a:prstGeom>
-        </p:spPr>
-        <p:style>
-          <a:lnRef idx="1">
-            <a:schemeClr val="dk1"/>
-          </a:lnRef>
-          <a:fillRef idx="0">
-            <a:schemeClr val="dk1"/>
-          </a:fillRef>
-          <a:effectRef idx="0">
-            <a:schemeClr val="dk1"/>
-          </a:effectRef>
-          <a:fontRef idx="minor">
-            <a:schemeClr val="tx1"/>
-          </a:fontRef>
-        </p:style>
-      </p:cxnSp>
-      <p:cxnSp>
-        <p:nvCxnSpPr>
-          <p:cNvPr id="86" name="Conector recto 85"/>
-          <p:cNvCxnSpPr>
-            <a:stCxn id="147" idx="2"/>
-            <a:endCxn id="248" idx="0"/>
-          </p:cNvCxnSpPr>
-          <p:nvPr/>
-        </p:nvCxnSpPr>
-        <p:spPr>
-          <a:xfrm flipH="1">
-            <a:off x="2897447" y="4855082"/>
-            <a:ext cx="2232" cy="525763"/>
-          </a:xfrm>
-          <a:prstGeom prst="line">
-            <a:avLst/>
-          </a:prstGeom>
-        </p:spPr>
-        <p:style>
-          <a:lnRef idx="1">
-            <a:schemeClr val="dk1"/>
-          </a:lnRef>
-          <a:fillRef idx="0">
-            <a:schemeClr val="dk1"/>
-          </a:fillRef>
-          <a:effectRef idx="0">
-            <a:schemeClr val="dk1"/>
-          </a:effectRef>
-          <a:fontRef idx="minor">
-            <a:schemeClr val="tx1"/>
-          </a:fontRef>
-        </p:style>
-      </p:cxnSp>
-      <p:cxnSp>
-        <p:nvCxnSpPr>
-          <p:cNvPr id="89" name="Conector angular 88"/>
-          <p:cNvCxnSpPr>
-            <a:stCxn id="146" idx="2"/>
-            <a:endCxn id="334" idx="0"/>
-          </p:cNvCxnSpPr>
-          <p:nvPr/>
-        </p:nvCxnSpPr>
-        <p:spPr>
-          <a:xfrm rot="5400000">
-            <a:off x="3811634" y="1229220"/>
-            <a:ext cx="200365" cy="5892730"/>
-          </a:xfrm>
-          <a:prstGeom prst="bentConnector3">
-            <a:avLst/>
-          </a:prstGeom>
-        </p:spPr>
-        <p:style>
-          <a:lnRef idx="1">
-            <a:schemeClr val="dk1"/>
-          </a:lnRef>
-          <a:fillRef idx="0">
-            <a:schemeClr val="dk1"/>
-          </a:fillRef>
-          <a:effectRef idx="0">
-            <a:schemeClr val="dk1"/>
-          </a:effectRef>
-          <a:fontRef idx="minor">
-            <a:schemeClr val="tx1"/>
-          </a:fontRef>
-        </p:style>
-      </p:cxnSp>
-      <p:cxnSp>
-        <p:nvCxnSpPr>
-          <p:cNvPr id="92" name="Conector angular 91"/>
-          <p:cNvCxnSpPr>
-            <a:stCxn id="146" idx="2"/>
-            <a:endCxn id="147" idx="0"/>
-          </p:cNvCxnSpPr>
-          <p:nvPr/>
-        </p:nvCxnSpPr>
-        <p:spPr>
-          <a:xfrm rot="5400000">
-            <a:off x="4790335" y="2184747"/>
-            <a:ext cx="177190" cy="3958502"/>
-          </a:xfrm>
-          <a:prstGeom prst="bentConnector3">
-            <a:avLst/>
-          </a:prstGeom>
-        </p:spPr>
-        <p:style>
-          <a:lnRef idx="1">
-            <a:schemeClr val="dk1"/>
-          </a:lnRef>
-          <a:fillRef idx="0">
-            <a:schemeClr val="dk1"/>
-          </a:fillRef>
-          <a:effectRef idx="0">
-            <a:schemeClr val="dk1"/>
-          </a:effectRef>
-          <a:fontRef idx="minor">
-            <a:schemeClr val="tx1"/>
-          </a:fontRef>
-        </p:style>
-      </p:cxnSp>
-      <p:cxnSp>
-        <p:nvCxnSpPr>
-          <p:cNvPr id="95" name="Conector angular 94"/>
-          <p:cNvCxnSpPr>
-            <a:stCxn id="146" idx="2"/>
-            <a:endCxn id="596" idx="0"/>
-          </p:cNvCxnSpPr>
-          <p:nvPr/>
-        </p:nvCxnSpPr>
-        <p:spPr>
-          <a:xfrm rot="5400000">
-            <a:off x="5792407" y="3209993"/>
-            <a:ext cx="200365" cy="1931185"/>
-          </a:xfrm>
-          <a:prstGeom prst="bentConnector3">
-            <a:avLst/>
-          </a:prstGeom>
-        </p:spPr>
-        <p:style>
-          <a:lnRef idx="1">
-            <a:schemeClr val="dk1"/>
-          </a:lnRef>
-          <a:fillRef idx="0">
-            <a:schemeClr val="dk1"/>
-          </a:fillRef>
-          <a:effectRef idx="0">
-            <a:schemeClr val="dk1"/>
-          </a:effectRef>
-          <a:fontRef idx="minor">
-            <a:schemeClr val="tx1"/>
-          </a:fontRef>
-        </p:style>
-      </p:cxnSp>
-      <p:cxnSp>
-        <p:nvCxnSpPr>
-          <p:cNvPr id="101" name="Conector angular 100"/>
-          <p:cNvCxnSpPr>
-            <a:stCxn id="146" idx="2"/>
-            <a:endCxn id="338" idx="0"/>
-          </p:cNvCxnSpPr>
-          <p:nvPr/>
-        </p:nvCxnSpPr>
-        <p:spPr>
-          <a:xfrm rot="16200000" flipH="1">
-            <a:off x="7928184" y="3005399"/>
-            <a:ext cx="224359" cy="2364365"/>
-          </a:xfrm>
-          <a:prstGeom prst="bentConnector3">
-            <a:avLst>
-              <a:gd name="adj1" fmla="val 37264"/>
-            </a:avLst>
-          </a:prstGeom>
-        </p:spPr>
-        <p:style>
-          <a:lnRef idx="1">
-            <a:schemeClr val="dk1"/>
-          </a:lnRef>
-          <a:fillRef idx="0">
-            <a:schemeClr val="dk1"/>
-          </a:fillRef>
-          <a:effectRef idx="0">
-            <a:schemeClr val="dk1"/>
-          </a:effectRef>
-          <a:fontRef idx="minor">
-            <a:schemeClr val="tx1"/>
-          </a:fontRef>
-        </p:style>
-      </p:cxnSp>
-      <p:cxnSp>
-        <p:nvCxnSpPr>
-          <p:cNvPr id="104" name="Conector angular 103"/>
-          <p:cNvCxnSpPr>
-            <a:stCxn id="146" idx="2"/>
-            <a:endCxn id="417" idx="0"/>
-          </p:cNvCxnSpPr>
-          <p:nvPr/>
-        </p:nvCxnSpPr>
-        <p:spPr>
-          <a:xfrm rot="16200000" flipH="1">
-            <a:off x="9292898" y="1640685"/>
-            <a:ext cx="177190" cy="5046625"/>
-          </a:xfrm>
-          <a:prstGeom prst="bentConnector3">
-            <a:avLst/>
-          </a:prstGeom>
-        </p:spPr>
-        <p:style>
-          <a:lnRef idx="1">
-            <a:schemeClr val="dk1"/>
-          </a:lnRef>
-          <a:fillRef idx="0">
-            <a:schemeClr val="dk1"/>
-          </a:fillRef>
-          <a:effectRef idx="0">
-            <a:schemeClr val="dk1"/>
           </a:effectRef>
           <a:fontRef idx="minor">
             <a:schemeClr val="tx1"/>
@@ -4966,13 +4762,6 @@
   <p:clrMapOvr>
     <a:masterClrMapping/>
   </p:clrMapOvr>
-  <p:timing>
-    <p:tnLst>
-      <p:par>
-        <p:cTn id="1" dur="indefinite" restart="never" nodeType="tmRoot"/>
-      </p:par>
-    </p:tnLst>
-  </p:timing>
 </p:sld>
 </file>
 
